--- a/History_of_AI_in_Video_Games.pptx
+++ b/History_of_AI_in_Video_Games.pptx
@@ -16,7 +16,11 @@
     <p:sldId id="264" r:id="rId10"/>
     <p:sldId id="265" r:id="rId11"/>
     <p:sldId id="266" r:id="rId12"/>
-    <p:sldId id="267" r:id="rId13"/>
+    <p:sldId id="268" r:id="rId13"/>
+    <p:sldId id="269" r:id="rId14"/>
+    <p:sldId id="270" r:id="rId15"/>
+    <p:sldId id="271" r:id="rId16"/>
+    <p:sldId id="272" r:id="rId17"/>
   </p:sldIdLst>
   <p:sldSz cx="12192000" cy="6858000"/>
   <p:notesSz cx="6858000" cy="9144000"/>
@@ -115,6 +119,11 @@
       </a:defRPr>
     </a:lvl9pPr>
   </p:defaultTextStyle>
+  <p:extLst>
+    <p:ext uri="{EFAFB233-063F-42B5-8137-9DF3F51BA10A}">
+      <p15:sldGuideLst xmlns:p15="http://schemas.microsoft.com/office/powerpoint/2012/main"/>
+    </p:ext>
+  </p:extLst>
 </p:presentation>
 </file>
 
@@ -523,7 +532,7 @@
           <a:p>
             <a:fld id="{B4BC7068-6CE6-4F1B-9D62-556E9B2A2614}" type="datetimeFigureOut">
               <a:rPr lang="en-IN" smtClean="0"/>
-              <a:t>11-07-2022</a:t>
+              <a:t>14-07-2022</a:t>
             </a:fld>
             <a:endParaRPr lang="en-IN"/>
           </a:p>
@@ -702,7 +711,7 @@
           <a:p>
             <a:fld id="{B4BC7068-6CE6-4F1B-9D62-556E9B2A2614}" type="datetimeFigureOut">
               <a:rPr lang="en-IN" smtClean="0"/>
-              <a:t>11-07-2022</a:t>
+              <a:t>14-07-2022</a:t>
             </a:fld>
             <a:endParaRPr lang="en-IN"/>
           </a:p>
@@ -882,7 +891,7 @@
           <a:p>
             <a:fld id="{B4BC7068-6CE6-4F1B-9D62-556E9B2A2614}" type="datetimeFigureOut">
               <a:rPr lang="en-IN" smtClean="0"/>
-              <a:t>11-07-2022</a:t>
+              <a:t>14-07-2022</a:t>
             </a:fld>
             <a:endParaRPr lang="en-IN"/>
           </a:p>
@@ -1052,7 +1061,7 @@
           <a:p>
             <a:fld id="{B4BC7068-6CE6-4F1B-9D62-556E9B2A2614}" type="datetimeFigureOut">
               <a:rPr lang="en-IN" smtClean="0"/>
-              <a:t>11-07-2022</a:t>
+              <a:t>14-07-2022</a:t>
             </a:fld>
             <a:endParaRPr lang="en-IN"/>
           </a:p>
@@ -1377,7 +1386,7 @@
           <a:p>
             <a:fld id="{B4BC7068-6CE6-4F1B-9D62-556E9B2A2614}" type="datetimeFigureOut">
               <a:rPr lang="en-IN" smtClean="0"/>
-              <a:t>11-07-2022</a:t>
+              <a:t>14-07-2022</a:t>
             </a:fld>
             <a:endParaRPr lang="en-IN"/>
           </a:p>
@@ -1773,7 +1782,7 @@
           <a:p>
             <a:fld id="{B4BC7068-6CE6-4F1B-9D62-556E9B2A2614}" type="datetimeFigureOut">
               <a:rPr lang="en-IN" smtClean="0"/>
-              <a:t>11-07-2022</a:t>
+              <a:t>14-07-2022</a:t>
             </a:fld>
             <a:endParaRPr lang="en-IN"/>
           </a:p>
@@ -2207,7 +2216,7 @@
           <a:p>
             <a:fld id="{B4BC7068-6CE6-4F1B-9D62-556E9B2A2614}" type="datetimeFigureOut">
               <a:rPr lang="en-IN" smtClean="0"/>
-              <a:t>11-07-2022</a:t>
+              <a:t>14-07-2022</a:t>
             </a:fld>
             <a:endParaRPr lang="en-IN"/>
           </a:p>
@@ -2325,7 +2334,7 @@
           <a:p>
             <a:fld id="{B4BC7068-6CE6-4F1B-9D62-556E9B2A2614}" type="datetimeFigureOut">
               <a:rPr lang="en-IN" smtClean="0"/>
-              <a:t>11-07-2022</a:t>
+              <a:t>14-07-2022</a:t>
             </a:fld>
             <a:endParaRPr lang="en-IN"/>
           </a:p>
@@ -2420,7 +2429,7 @@
           <a:p>
             <a:fld id="{B4BC7068-6CE6-4F1B-9D62-556E9B2A2614}" type="datetimeFigureOut">
               <a:rPr lang="en-IN" smtClean="0"/>
-              <a:t>11-07-2022</a:t>
+              <a:t>14-07-2022</a:t>
             </a:fld>
             <a:endParaRPr lang="en-IN"/>
           </a:p>
@@ -2770,7 +2779,7 @@
           <a:p>
             <a:fld id="{B4BC7068-6CE6-4F1B-9D62-556E9B2A2614}" type="datetimeFigureOut">
               <a:rPr lang="en-IN" smtClean="0"/>
-              <a:t>11-07-2022</a:t>
+              <a:t>14-07-2022</a:t>
             </a:fld>
             <a:endParaRPr lang="en-IN"/>
           </a:p>
@@ -3205,7 +3214,7 @@
           <a:p>
             <a:fld id="{B4BC7068-6CE6-4F1B-9D62-556E9B2A2614}" type="datetimeFigureOut">
               <a:rPr lang="en-IN" smtClean="0"/>
-              <a:t>11-07-2022</a:t>
+              <a:t>14-07-2022</a:t>
             </a:fld>
             <a:endParaRPr lang="en-IN"/>
           </a:p>
@@ -3488,7 +3497,7 @@
           <a:p>
             <a:fld id="{B4BC7068-6CE6-4F1B-9D62-556E9B2A2614}" type="datetimeFigureOut">
               <a:rPr lang="en-IN" smtClean="0"/>
-              <a:t>11-07-2022</a:t>
+              <a:t>14-07-2022</a:t>
             </a:fld>
             <a:endParaRPr lang="en-IN"/>
           </a:p>
@@ -4229,26 +4238,136 @@
       </p:sp>
       <p:sp>
         <p:nvSpPr>
-          <p:cNvPr id="3" name="Content Placeholder 2">
-            <a:extLst>
-              <a:ext uri="{FF2B5EF4-FFF2-40B4-BE49-F238E27FC236}">
-                <a16:creationId xmlns:a16="http://schemas.microsoft.com/office/drawing/2014/main" id="{701F3C10-6872-0BF1-1536-6404D60749B2}"/>
-              </a:ext>
-            </a:extLst>
-          </p:cNvPr>
-          <p:cNvSpPr>
-            <a:spLocks noGrp="1"/>
-          </p:cNvSpPr>
-          <p:nvPr>
-            <p:ph idx="1"/>
-          </p:nvPr>
-        </p:nvSpPr>
-        <p:spPr/>
-        <p:txBody>
-          <a:bodyPr/>
-          <a:lstStyle/>
-          <a:p>
-            <a:endParaRPr lang="en-IN"/>
+          <p:cNvPr id="11" name="TextBox 10">
+            <a:extLst>
+              <a:ext uri="{FF2B5EF4-FFF2-40B4-BE49-F238E27FC236}">
+                <a16:creationId xmlns:a16="http://schemas.microsoft.com/office/drawing/2014/main" id="{2384E041-50DD-3704-93BE-D49861D5267D}"/>
+              </a:ext>
+            </a:extLst>
+          </p:cNvPr>
+          <p:cNvSpPr txBox="1"/>
+          <p:nvPr/>
+        </p:nvSpPr>
+        <p:spPr>
+          <a:xfrm>
+            <a:off x="2337482" y="5355589"/>
+            <a:ext cx="4535266" cy="230832"/>
+          </a:xfrm>
+          <a:prstGeom prst="rect">
+            <a:avLst/>
+          </a:prstGeom>
+          <a:noFill/>
+        </p:spPr>
+        <p:txBody>
+          <a:bodyPr wrap="square" rtlCol="0">
+            <a:spAutoFit/>
+          </a:bodyPr>
+          <a:lstStyle/>
+          <a:p>
+            <a:r>
+              <a:rPr lang="en-IN" sz="900" dirty="0">
+                <a:hlinkClick r:id="rId2" tooltip="https://peerj.com/articles/cs-314/"/>
+              </a:rPr>
+              <a:t>This Photo</a:t>
+            </a:r>
+            <a:r>
+              <a:rPr lang="en-IN" sz="900" dirty="0"/>
+              <a:t> by Unknown Author is licensed under </a:t>
+            </a:r>
+            <a:r>
+              <a:rPr lang="en-IN" sz="900" dirty="0">
+                <a:hlinkClick r:id="rId3" tooltip="https://creativecommons.org/licenses/by/3.0/"/>
+              </a:rPr>
+              <a:t>CC BY</a:t>
+            </a:r>
+            <a:endParaRPr lang="en-IN" sz="900" dirty="0"/>
+          </a:p>
+        </p:txBody>
+      </p:sp>
+      <p:pic>
+        <p:nvPicPr>
+          <p:cNvPr id="12" name="Content Placeholder 9">
+            <a:extLst>
+              <a:ext uri="{FF2B5EF4-FFF2-40B4-BE49-F238E27FC236}">
+                <a16:creationId xmlns:a16="http://schemas.microsoft.com/office/drawing/2014/main" id="{AF80441D-071D-449D-E363-D684C7FDFCFB}"/>
+              </a:ext>
+            </a:extLst>
+          </p:cNvPr>
+          <p:cNvPicPr>
+            <a:picLocks noChangeAspect="1"/>
+          </p:cNvPicPr>
+          <p:nvPr/>
+        </p:nvPicPr>
+        <p:blipFill>
+          <a:blip r:embed="rId4">
+            <a:extLst>
+              <a:ext uri="{28A0092B-C50C-407E-A947-70E740481C1C}">
+                <a14:useLocalDpi xmlns:a14="http://schemas.microsoft.com/office/drawing/2010/main" val="0"/>
+              </a:ext>
+              <a:ext uri="{837473B0-CC2E-450A-ABE3-18F120FF3D39}">
+                <a1611:picAttrSrcUrl xmlns:a1611="http://schemas.microsoft.com/office/drawing/2016/11/main" r:id="rId2"/>
+              </a:ext>
+            </a:extLst>
+          </a:blip>
+          <a:stretch>
+            <a:fillRect/>
+          </a:stretch>
+        </p:blipFill>
+        <p:spPr>
+          <a:xfrm>
+            <a:off x="673879" y="2093976"/>
+            <a:ext cx="10306886" cy="3684714"/>
+          </a:xfrm>
+          <a:prstGeom prst="rect">
+            <a:avLst/>
+          </a:prstGeom>
+        </p:spPr>
+      </p:pic>
+      <p:sp>
+        <p:nvSpPr>
+          <p:cNvPr id="13" name="TextBox 12">
+            <a:extLst>
+              <a:ext uri="{FF2B5EF4-FFF2-40B4-BE49-F238E27FC236}">
+                <a16:creationId xmlns:a16="http://schemas.microsoft.com/office/drawing/2014/main" id="{4FF81EB7-F115-4E87-0703-B2FBEC6A3100}"/>
+              </a:ext>
+            </a:extLst>
+          </p:cNvPr>
+          <p:cNvSpPr txBox="1"/>
+          <p:nvPr/>
+        </p:nvSpPr>
+        <p:spPr>
+          <a:xfrm>
+            <a:off x="821362" y="5759409"/>
+            <a:ext cx="5654170" cy="230832"/>
+          </a:xfrm>
+          <a:prstGeom prst="rect">
+            <a:avLst/>
+          </a:prstGeom>
+          <a:noFill/>
+        </p:spPr>
+        <p:txBody>
+          <a:bodyPr wrap="square" rtlCol="0">
+            <a:spAutoFit/>
+          </a:bodyPr>
+          <a:lstStyle/>
+          <a:p>
+            <a:r>
+              <a:rPr lang="en-IN" sz="900" dirty="0">
+                <a:hlinkClick r:id="rId2" tooltip="https://peerj.com/articles/cs-314/"/>
+              </a:rPr>
+              <a:t>This Photo</a:t>
+            </a:r>
+            <a:r>
+              <a:rPr lang="en-IN" sz="900" dirty="0"/>
+              <a:t> by Unknown Author is licensed under </a:t>
+            </a:r>
+            <a:r>
+              <a:rPr lang="en-IN" sz="900" dirty="0">
+                <a:hlinkClick r:id="rId3" tooltip="https://creativecommons.org/licenses/by/3.0/"/>
+              </a:rPr>
+              <a:t>CC BY</a:t>
+            </a:r>
+            <a:endParaRPr lang="en-IN" sz="900" dirty="0"/>
           </a:p>
         </p:txBody>
       </p:sp>
@@ -4287,7 +4406,7 @@
           <p:cNvPr id="2" name="Title 1">
             <a:extLst>
               <a:ext uri="{FF2B5EF4-FFF2-40B4-BE49-F238E27FC236}">
-                <a16:creationId xmlns:a16="http://schemas.microsoft.com/office/drawing/2014/main" id="{13BF26F5-FAB3-E664-EAB2-2E04BC492F6F}"/>
+                <a16:creationId xmlns:a16="http://schemas.microsoft.com/office/drawing/2014/main" id="{593D84F3-C76B-21D5-AE39-444C24B5F0EE}"/>
               </a:ext>
             </a:extLst>
           </p:cNvPr>
@@ -4304,26 +4423,26 @@
           <a:lstStyle/>
           <a:p>
             <a:r>
-              <a:rPr lang="en-IN"/>
-              <a:t>Tasks</a:t>
-            </a:r>
-          </a:p>
-        </p:txBody>
-      </p:sp>
-      <p:sp>
-        <p:nvSpPr>
-          <p:cNvPr id="3" name="Content Placeholder 2">
-            <a:extLst>
-              <a:ext uri="{FF2B5EF4-FFF2-40B4-BE49-F238E27FC236}">
-                <a16:creationId xmlns:a16="http://schemas.microsoft.com/office/drawing/2014/main" id="{7C5D9E6A-90E8-1760-ECE9-D2E3F1B469EC}"/>
-              </a:ext>
-            </a:extLst>
-          </p:cNvPr>
-          <p:cNvSpPr>
-            <a:spLocks noGrp="1"/>
-          </p:cNvSpPr>
-          <p:nvPr>
-            <p:ph idx="1"/>
+              <a:rPr lang="en-IN" dirty="0"/>
+              <a:t>Task</a:t>
+            </a:r>
+          </a:p>
+        </p:txBody>
+      </p:sp>
+      <p:sp>
+        <p:nvSpPr>
+          <p:cNvPr id="3" name="Text Placeholder 2">
+            <a:extLst>
+              <a:ext uri="{FF2B5EF4-FFF2-40B4-BE49-F238E27FC236}">
+                <a16:creationId xmlns:a16="http://schemas.microsoft.com/office/drawing/2014/main" id="{8470331E-FCD7-790E-C595-1CF961252122}"/>
+              </a:ext>
+            </a:extLst>
+          </p:cNvPr>
+          <p:cNvSpPr>
+            <a:spLocks noGrp="1"/>
+          </p:cNvSpPr>
+          <p:nvPr>
+            <p:ph type="body" idx="1"/>
           </p:nvPr>
         </p:nvSpPr>
         <p:spPr/>
@@ -4331,14 +4450,2574 @@
           <a:bodyPr/>
           <a:lstStyle/>
           <a:p>
-            <a:endParaRPr lang="en-IN"/>
+            <a:r>
+              <a:rPr lang="en-IN" dirty="0">
+                <a:solidFill>
+                  <a:srgbClr val="92D050"/>
+                </a:solidFill>
+              </a:rPr>
+              <a:t>Condition</a:t>
+            </a:r>
+          </a:p>
+        </p:txBody>
+      </p:sp>
+      <p:sp>
+        <p:nvSpPr>
+          <p:cNvPr id="4" name="Content Placeholder 3">
+            <a:extLst>
+              <a:ext uri="{FF2B5EF4-FFF2-40B4-BE49-F238E27FC236}">
+                <a16:creationId xmlns:a16="http://schemas.microsoft.com/office/drawing/2014/main" id="{743A86ED-6B34-8E88-0B6D-A72AE5967C7E}"/>
+              </a:ext>
+            </a:extLst>
+          </p:cNvPr>
+          <p:cNvSpPr>
+            <a:spLocks noGrp="1"/>
+          </p:cNvSpPr>
+          <p:nvPr>
+            <p:ph sz="half" idx="2"/>
+          </p:nvPr>
+        </p:nvSpPr>
+        <p:spPr/>
+        <p:txBody>
+          <a:bodyPr/>
+          <a:lstStyle/>
+          <a:p>
+            <a:r>
+              <a:rPr lang="en-IN" dirty="0">
+                <a:latin typeface="+mj-lt"/>
+              </a:rPr>
+              <a:t>Represent read only function</a:t>
+            </a:r>
+          </a:p>
+          <a:p>
+            <a:r>
+              <a:rPr lang="en-IN" dirty="0">
+                <a:latin typeface="+mj-lt"/>
+              </a:rPr>
+              <a:t>When AI unit observes some information about its environment</a:t>
+            </a:r>
+          </a:p>
+          <a:p>
+            <a:r>
+              <a:rPr lang="en-IN" dirty="0" err="1">
+                <a:latin typeface="+mj-lt"/>
+              </a:rPr>
+              <a:t>E.g</a:t>
+            </a:r>
+            <a:r>
+              <a:rPr lang="en-IN" dirty="0">
+                <a:latin typeface="+mj-lt"/>
+              </a:rPr>
+              <a:t> Searching for enemies or nearby cover, determining orientation etc.</a:t>
+            </a:r>
+          </a:p>
+        </p:txBody>
+      </p:sp>
+      <p:sp>
+        <p:nvSpPr>
+          <p:cNvPr id="5" name="Text Placeholder 4">
+            <a:extLst>
+              <a:ext uri="{FF2B5EF4-FFF2-40B4-BE49-F238E27FC236}">
+                <a16:creationId xmlns:a16="http://schemas.microsoft.com/office/drawing/2014/main" id="{122F2CC2-34A5-B276-860E-1057A7AEFEC3}"/>
+              </a:ext>
+            </a:extLst>
+          </p:cNvPr>
+          <p:cNvSpPr>
+            <a:spLocks noGrp="1"/>
+          </p:cNvSpPr>
+          <p:nvPr>
+            <p:ph type="body" sz="quarter" idx="3"/>
+          </p:nvPr>
+        </p:nvSpPr>
+        <p:spPr/>
+        <p:txBody>
+          <a:bodyPr/>
+          <a:lstStyle/>
+          <a:p>
+            <a:r>
+              <a:rPr lang="en-IN" dirty="0">
+                <a:solidFill>
+                  <a:srgbClr val="FF0000"/>
+                </a:solidFill>
+              </a:rPr>
+              <a:t>Action</a:t>
+            </a:r>
+          </a:p>
+        </p:txBody>
+      </p:sp>
+      <p:sp>
+        <p:nvSpPr>
+          <p:cNvPr id="6" name="Content Placeholder 5">
+            <a:extLst>
+              <a:ext uri="{FF2B5EF4-FFF2-40B4-BE49-F238E27FC236}">
+                <a16:creationId xmlns:a16="http://schemas.microsoft.com/office/drawing/2014/main" id="{0DEE1DC8-06F7-EE5D-B45E-9EAA02007834}"/>
+              </a:ext>
+            </a:extLst>
+          </p:cNvPr>
+          <p:cNvSpPr>
+            <a:spLocks noGrp="1"/>
+          </p:cNvSpPr>
+          <p:nvPr>
+            <p:ph sz="quarter" idx="4"/>
+          </p:nvPr>
+        </p:nvSpPr>
+        <p:spPr/>
+        <p:txBody>
+          <a:bodyPr/>
+          <a:lstStyle/>
+          <a:p>
+            <a:r>
+              <a:rPr lang="en-IN" dirty="0"/>
+              <a:t>Represent actual performed functions</a:t>
+            </a:r>
+          </a:p>
+          <a:p>
+            <a:r>
+              <a:rPr lang="en-IN" dirty="0"/>
+              <a:t>Generally represented in graphical representation</a:t>
+            </a:r>
+          </a:p>
+          <a:p>
+            <a:r>
+              <a:rPr lang="en-IN" dirty="0" err="1"/>
+              <a:t>E.g</a:t>
+            </a:r>
+            <a:r>
+              <a:rPr lang="en-IN" dirty="0"/>
+              <a:t> Firing on an enemy, throwing a grenade, reloading etc.</a:t>
+            </a:r>
           </a:p>
         </p:txBody>
       </p:sp>
     </p:spTree>
     <p:extLst>
       <p:ext uri="{BB962C8B-B14F-4D97-AF65-F5344CB8AC3E}">
-        <p14:creationId xmlns:p14="http://schemas.microsoft.com/office/powerpoint/2010/main" val="1683875930"/>
+        <p14:creationId xmlns:p14="http://schemas.microsoft.com/office/powerpoint/2010/main" val="1612002031"/>
+      </p:ext>
+    </p:extLst>
+  </p:cSld>
+  <p:clrMapOvr>
+    <a:masterClrMapping/>
+  </p:clrMapOvr>
+</p:sld>
+</file>
+
+<file path=ppt/slides/slide13.xml><?xml version="1.0" encoding="utf-8"?>
+<p:sld xmlns:a="http://schemas.openxmlformats.org/drawingml/2006/main" xmlns:r="http://schemas.openxmlformats.org/officeDocument/2006/relationships" xmlns:p="http://schemas.openxmlformats.org/presentationml/2006/main">
+  <p:cSld>
+    <p:spTree>
+      <p:nvGrpSpPr>
+        <p:cNvPr id="1" name=""/>
+        <p:cNvGrpSpPr/>
+        <p:nvPr/>
+      </p:nvGrpSpPr>
+      <p:grpSpPr>
+        <a:xfrm>
+          <a:off x="0" y="0"/>
+          <a:ext cx="0" cy="0"/>
+          <a:chOff x="0" y="0"/>
+          <a:chExt cx="0" cy="0"/>
+        </a:xfrm>
+      </p:grpSpPr>
+      <p:sp>
+        <p:nvSpPr>
+          <p:cNvPr id="2" name="Title 1">
+            <a:extLst>
+              <a:ext uri="{FF2B5EF4-FFF2-40B4-BE49-F238E27FC236}">
+                <a16:creationId xmlns:a16="http://schemas.microsoft.com/office/drawing/2014/main" id="{C73C1E84-92B8-0F43-F6A9-9DF9EEDDBFCE}"/>
+              </a:ext>
+            </a:extLst>
+          </p:cNvPr>
+          <p:cNvSpPr>
+            <a:spLocks noGrp="1"/>
+          </p:cNvSpPr>
+          <p:nvPr>
+            <p:ph type="title"/>
+          </p:nvPr>
+        </p:nvSpPr>
+        <p:spPr/>
+        <p:txBody>
+          <a:bodyPr/>
+          <a:lstStyle/>
+          <a:p>
+            <a:r>
+              <a:rPr lang="en-IN" dirty="0"/>
+              <a:t>Sequences and Selectors</a:t>
+            </a:r>
+          </a:p>
+        </p:txBody>
+      </p:sp>
+      <p:sp>
+        <p:nvSpPr>
+          <p:cNvPr id="4" name="Text Placeholder 3">
+            <a:extLst>
+              <a:ext uri="{FF2B5EF4-FFF2-40B4-BE49-F238E27FC236}">
+                <a16:creationId xmlns:a16="http://schemas.microsoft.com/office/drawing/2014/main" id="{58909F7B-800D-B03F-AF5C-3A1EAE7F1BDE}"/>
+              </a:ext>
+            </a:extLst>
+          </p:cNvPr>
+          <p:cNvSpPr>
+            <a:spLocks noGrp="1"/>
+          </p:cNvSpPr>
+          <p:nvPr>
+            <p:ph type="body" idx="1"/>
+          </p:nvPr>
+        </p:nvSpPr>
+        <p:spPr/>
+        <p:txBody>
+          <a:bodyPr/>
+          <a:lstStyle/>
+          <a:p>
+            <a:r>
+              <a:rPr lang="en-IN" dirty="0"/>
+              <a:t>Sequences</a:t>
+            </a:r>
+          </a:p>
+        </p:txBody>
+      </p:sp>
+      <p:sp>
+        <p:nvSpPr>
+          <p:cNvPr id="5" name="Content Placeholder 4">
+            <a:extLst>
+              <a:ext uri="{FF2B5EF4-FFF2-40B4-BE49-F238E27FC236}">
+                <a16:creationId xmlns:a16="http://schemas.microsoft.com/office/drawing/2014/main" id="{99298E25-09A0-649C-9DBE-D01BED4D9000}"/>
+              </a:ext>
+            </a:extLst>
+          </p:cNvPr>
+          <p:cNvSpPr>
+            <a:spLocks noGrp="1"/>
+          </p:cNvSpPr>
+          <p:nvPr>
+            <p:ph sz="half" idx="2"/>
+          </p:nvPr>
+        </p:nvSpPr>
+        <p:spPr>
+          <a:xfrm>
+            <a:off x="1066800" y="2743200"/>
+            <a:ext cx="4754880" cy="3291840"/>
+          </a:xfrm>
+        </p:spPr>
+        <p:txBody>
+          <a:bodyPr/>
+          <a:lstStyle/>
+          <a:p>
+            <a:r>
+              <a:rPr lang="en-IN" dirty="0"/>
+              <a:t>Represent a group of task that must be carried out in order for the overall task to complete</a:t>
+            </a:r>
+          </a:p>
+        </p:txBody>
+      </p:sp>
+      <p:sp>
+        <p:nvSpPr>
+          <p:cNvPr id="6" name="Text Placeholder 5">
+            <a:extLst>
+              <a:ext uri="{FF2B5EF4-FFF2-40B4-BE49-F238E27FC236}">
+                <a16:creationId xmlns:a16="http://schemas.microsoft.com/office/drawing/2014/main" id="{EB1D5BAA-1697-2550-CC02-18B649A5267A}"/>
+              </a:ext>
+            </a:extLst>
+          </p:cNvPr>
+          <p:cNvSpPr>
+            <a:spLocks noGrp="1"/>
+          </p:cNvSpPr>
+          <p:nvPr>
+            <p:ph type="body" sz="quarter" idx="3"/>
+          </p:nvPr>
+        </p:nvSpPr>
+        <p:spPr/>
+        <p:txBody>
+          <a:bodyPr/>
+          <a:lstStyle/>
+          <a:p>
+            <a:r>
+              <a:rPr lang="en-IN" dirty="0"/>
+              <a:t>Selectors</a:t>
+            </a:r>
+          </a:p>
+        </p:txBody>
+      </p:sp>
+      <p:sp>
+        <p:nvSpPr>
+          <p:cNvPr id="7" name="Content Placeholder 6">
+            <a:extLst>
+              <a:ext uri="{FF2B5EF4-FFF2-40B4-BE49-F238E27FC236}">
+                <a16:creationId xmlns:a16="http://schemas.microsoft.com/office/drawing/2014/main" id="{CDC5489B-C063-D817-FF21-971143A31FD0}"/>
+              </a:ext>
+            </a:extLst>
+          </p:cNvPr>
+          <p:cNvSpPr>
+            <a:spLocks noGrp="1"/>
+          </p:cNvSpPr>
+          <p:nvPr>
+            <p:ph sz="quarter" idx="4"/>
+          </p:nvPr>
+        </p:nvSpPr>
+        <p:spPr/>
+        <p:txBody>
+          <a:bodyPr/>
+          <a:lstStyle/>
+          <a:p>
+            <a:r>
+              <a:rPr lang="en-IN" dirty="0"/>
+              <a:t>Ultimately only carry out one task until it finds the correct task for the situation</a:t>
+            </a:r>
+          </a:p>
+        </p:txBody>
+      </p:sp>
+      <p:pic>
+        <p:nvPicPr>
+          <p:cNvPr id="8" name="Content Placeholder 9">
+            <a:extLst>
+              <a:ext uri="{FF2B5EF4-FFF2-40B4-BE49-F238E27FC236}">
+                <a16:creationId xmlns:a16="http://schemas.microsoft.com/office/drawing/2014/main" id="{68E7FFEB-2AB5-35DE-10A2-45E1A7C480CF}"/>
+              </a:ext>
+            </a:extLst>
+          </p:cNvPr>
+          <p:cNvPicPr>
+            <a:picLocks noChangeAspect="1"/>
+          </p:cNvPicPr>
+          <p:nvPr/>
+        </p:nvPicPr>
+        <p:blipFill rotWithShape="1">
+          <a:blip r:embed="rId2">
+            <a:extLst>
+              <a:ext uri="{28A0092B-C50C-407E-A947-70E740481C1C}">
+                <a14:useLocalDpi xmlns:a14="http://schemas.microsoft.com/office/drawing/2010/main" val="0"/>
+              </a:ext>
+              <a:ext uri="{837473B0-CC2E-450A-ABE3-18F120FF3D39}">
+                <a1611:picAttrSrcUrl xmlns:a1611="http://schemas.microsoft.com/office/drawing/2016/11/main" r:id="rId3"/>
+              </a:ext>
+            </a:extLst>
+          </a:blip>
+          <a:srcRect l="55" t="29810" r="74265"/>
+          <a:stretch/>
+        </p:blipFill>
+        <p:spPr>
+          <a:xfrm>
+            <a:off x="1796826" y="3962399"/>
+            <a:ext cx="2646837" cy="2586311"/>
+          </a:xfrm>
+          <a:prstGeom prst="rect">
+            <a:avLst/>
+          </a:prstGeom>
+        </p:spPr>
+      </p:pic>
+      <p:pic>
+        <p:nvPicPr>
+          <p:cNvPr id="10" name="Content Placeholder 9">
+            <a:extLst>
+              <a:ext uri="{FF2B5EF4-FFF2-40B4-BE49-F238E27FC236}">
+                <a16:creationId xmlns:a16="http://schemas.microsoft.com/office/drawing/2014/main" id="{586AFBBA-F45F-A483-42BB-0976EB55B3BB}"/>
+              </a:ext>
+            </a:extLst>
+          </p:cNvPr>
+          <p:cNvPicPr>
+            <a:picLocks noChangeAspect="1"/>
+          </p:cNvPicPr>
+          <p:nvPr/>
+        </p:nvPicPr>
+        <p:blipFill rotWithShape="1">
+          <a:blip r:embed="rId2">
+            <a:extLst>
+              <a:ext uri="{28A0092B-C50C-407E-A947-70E740481C1C}">
+                <a14:useLocalDpi xmlns:a14="http://schemas.microsoft.com/office/drawing/2010/main" val="0"/>
+              </a:ext>
+              <a:ext uri="{837473B0-CC2E-450A-ABE3-18F120FF3D39}">
+                <a1611:picAttrSrcUrl xmlns:a1611="http://schemas.microsoft.com/office/drawing/2016/11/main" r:id="rId3"/>
+              </a:ext>
+            </a:extLst>
+          </a:blip>
+          <a:srcRect l="78449" t="58566" r="233"/>
+          <a:stretch/>
+        </p:blipFill>
+        <p:spPr>
+          <a:xfrm>
+            <a:off x="7475622" y="4563174"/>
+            <a:ext cx="2205732" cy="1526730"/>
+          </a:xfrm>
+          <a:prstGeom prst="rect">
+            <a:avLst/>
+          </a:prstGeom>
+          <a:ln>
+            <a:solidFill>
+              <a:schemeClr val="tx1"/>
+            </a:solidFill>
+            <a:prstDash val="dash"/>
+          </a:ln>
+        </p:spPr>
+      </p:pic>
+      <p:cxnSp>
+        <p:nvCxnSpPr>
+          <p:cNvPr id="12" name="Straight Arrow Connector 11">
+            <a:extLst>
+              <a:ext uri="{FF2B5EF4-FFF2-40B4-BE49-F238E27FC236}">
+                <a16:creationId xmlns:a16="http://schemas.microsoft.com/office/drawing/2014/main" id="{35380A34-CEAC-9651-03D5-9DF353743E43}"/>
+              </a:ext>
+            </a:extLst>
+          </p:cNvPr>
+          <p:cNvCxnSpPr>
+            <a:cxnSpLocks/>
+          </p:cNvCxnSpPr>
+          <p:nvPr/>
+        </p:nvCxnSpPr>
+        <p:spPr>
+          <a:xfrm>
+            <a:off x="1500874" y="5255554"/>
+            <a:ext cx="3238740" cy="0"/>
+          </a:xfrm>
+          <a:prstGeom prst="straightConnector1">
+            <a:avLst/>
+          </a:prstGeom>
+          <a:ln>
+            <a:tailEnd type="triangle"/>
+          </a:ln>
+        </p:spPr>
+        <p:style>
+          <a:lnRef idx="2">
+            <a:schemeClr val="dk1"/>
+          </a:lnRef>
+          <a:fillRef idx="0">
+            <a:schemeClr val="dk1"/>
+          </a:fillRef>
+          <a:effectRef idx="1">
+            <a:schemeClr val="dk1"/>
+          </a:effectRef>
+          <a:fontRef idx="minor">
+            <a:schemeClr val="tx1"/>
+          </a:fontRef>
+        </p:style>
+      </p:cxnSp>
+      <p:sp>
+        <p:nvSpPr>
+          <p:cNvPr id="15" name="TextBox 14">
+            <a:extLst>
+              <a:ext uri="{FF2B5EF4-FFF2-40B4-BE49-F238E27FC236}">
+                <a16:creationId xmlns:a16="http://schemas.microsoft.com/office/drawing/2014/main" id="{378B37C3-F1FC-4752-87DB-25B33C453FB9}"/>
+              </a:ext>
+            </a:extLst>
+          </p:cNvPr>
+          <p:cNvSpPr txBox="1"/>
+          <p:nvPr/>
+        </p:nvSpPr>
+        <p:spPr>
+          <a:xfrm>
+            <a:off x="4351141" y="4440859"/>
+            <a:ext cx="1683754" cy="646331"/>
+          </a:xfrm>
+          <a:prstGeom prst="rect">
+            <a:avLst/>
+          </a:prstGeom>
+          <a:noFill/>
+        </p:spPr>
+        <p:txBody>
+          <a:bodyPr wrap="square" rtlCol="0">
+            <a:spAutoFit/>
+          </a:bodyPr>
+          <a:lstStyle/>
+          <a:p>
+            <a:r>
+              <a:rPr lang="en-IN" dirty="0"/>
+              <a:t>Flow of execution</a:t>
+            </a:r>
+          </a:p>
+        </p:txBody>
+      </p:sp>
+    </p:spTree>
+    <p:extLst>
+      <p:ext uri="{BB962C8B-B14F-4D97-AF65-F5344CB8AC3E}">
+        <p14:creationId xmlns:p14="http://schemas.microsoft.com/office/powerpoint/2010/main" val="3179328705"/>
+      </p:ext>
+    </p:extLst>
+  </p:cSld>
+  <p:clrMapOvr>
+    <a:masterClrMapping/>
+  </p:clrMapOvr>
+</p:sld>
+</file>
+
+<file path=ppt/slides/slide14.xml><?xml version="1.0" encoding="utf-8"?>
+<p:sld xmlns:a="http://schemas.openxmlformats.org/drawingml/2006/main" xmlns:r="http://schemas.openxmlformats.org/officeDocument/2006/relationships" xmlns:p="http://schemas.openxmlformats.org/presentationml/2006/main">
+  <p:cSld>
+    <p:spTree>
+      <p:nvGrpSpPr>
+        <p:cNvPr id="1" name=""/>
+        <p:cNvGrpSpPr/>
+        <p:nvPr/>
+      </p:nvGrpSpPr>
+      <p:grpSpPr>
+        <a:xfrm>
+          <a:off x="0" y="0"/>
+          <a:ext cx="0" cy="0"/>
+          <a:chOff x="0" y="0"/>
+          <a:chExt cx="0" cy="0"/>
+        </a:xfrm>
+      </p:grpSpPr>
+      <p:sp>
+        <p:nvSpPr>
+          <p:cNvPr id="14" name="Oval 13">
+            <a:extLst>
+              <a:ext uri="{FF2B5EF4-FFF2-40B4-BE49-F238E27FC236}">
+                <a16:creationId xmlns:a16="http://schemas.microsoft.com/office/drawing/2014/main" id="{5FD9C793-D07A-DD82-4B08-C9C4BCF9A470}"/>
+              </a:ext>
+            </a:extLst>
+          </p:cNvPr>
+          <p:cNvSpPr/>
+          <p:nvPr/>
+        </p:nvSpPr>
+        <p:spPr>
+          <a:xfrm>
+            <a:off x="4821362" y="320841"/>
+            <a:ext cx="770021" cy="737937"/>
+          </a:xfrm>
+          <a:prstGeom prst="ellipse">
+            <a:avLst/>
+          </a:prstGeom>
+        </p:spPr>
+        <p:style>
+          <a:lnRef idx="2">
+            <a:schemeClr val="accent6"/>
+          </a:lnRef>
+          <a:fillRef idx="1">
+            <a:schemeClr val="lt1"/>
+          </a:fillRef>
+          <a:effectRef idx="0">
+            <a:schemeClr val="accent6"/>
+          </a:effectRef>
+          <a:fontRef idx="minor">
+            <a:schemeClr val="dk1"/>
+          </a:fontRef>
+        </p:style>
+        <p:txBody>
+          <a:bodyPr rtlCol="0" anchor="ctr"/>
+          <a:lstStyle/>
+          <a:p>
+            <a:pPr algn="ctr"/>
+            <a:r>
+              <a:rPr lang="en-IN" dirty="0"/>
+              <a:t>?</a:t>
+            </a:r>
+          </a:p>
+        </p:txBody>
+      </p:sp>
+      <p:sp>
+        <p:nvSpPr>
+          <p:cNvPr id="15" name="Rectangle 14">
+            <a:extLst>
+              <a:ext uri="{FF2B5EF4-FFF2-40B4-BE49-F238E27FC236}">
+                <a16:creationId xmlns:a16="http://schemas.microsoft.com/office/drawing/2014/main" id="{7CFAFF48-7C63-FDF6-8063-8EBECBBCABB4}"/>
+              </a:ext>
+            </a:extLst>
+          </p:cNvPr>
+          <p:cNvSpPr/>
+          <p:nvPr/>
+        </p:nvSpPr>
+        <p:spPr>
+          <a:xfrm>
+            <a:off x="2229852" y="1828800"/>
+            <a:ext cx="1443789" cy="978568"/>
+          </a:xfrm>
+          <a:prstGeom prst="rect">
+            <a:avLst/>
+          </a:prstGeom>
+        </p:spPr>
+        <p:style>
+          <a:lnRef idx="2">
+            <a:schemeClr val="accent6"/>
+          </a:lnRef>
+          <a:fillRef idx="1">
+            <a:schemeClr val="lt1"/>
+          </a:fillRef>
+          <a:effectRef idx="0">
+            <a:schemeClr val="accent6"/>
+          </a:effectRef>
+          <a:fontRef idx="minor">
+            <a:schemeClr val="dk1"/>
+          </a:fontRef>
+        </p:style>
+        <p:txBody>
+          <a:bodyPr rtlCol="0" anchor="ctr"/>
+          <a:lstStyle/>
+          <a:p>
+            <a:pPr algn="ctr"/>
+            <a:r>
+              <a:rPr lang="en-IN" dirty="0"/>
+              <a:t>Go to College</a:t>
+            </a:r>
+          </a:p>
+        </p:txBody>
+      </p:sp>
+      <p:sp>
+        <p:nvSpPr>
+          <p:cNvPr id="16" name="Rectangle 15">
+            <a:extLst>
+              <a:ext uri="{FF2B5EF4-FFF2-40B4-BE49-F238E27FC236}">
+                <a16:creationId xmlns:a16="http://schemas.microsoft.com/office/drawing/2014/main" id="{3A39150B-BA47-B56E-205F-1D563B0ED16F}"/>
+              </a:ext>
+            </a:extLst>
+          </p:cNvPr>
+          <p:cNvSpPr/>
+          <p:nvPr/>
+        </p:nvSpPr>
+        <p:spPr>
+          <a:xfrm>
+            <a:off x="6633411" y="1828800"/>
+            <a:ext cx="1443789" cy="978568"/>
+          </a:xfrm>
+          <a:prstGeom prst="rect">
+            <a:avLst/>
+          </a:prstGeom>
+        </p:spPr>
+        <p:style>
+          <a:lnRef idx="2">
+            <a:schemeClr val="accent6"/>
+          </a:lnRef>
+          <a:fillRef idx="1">
+            <a:schemeClr val="lt1"/>
+          </a:fillRef>
+          <a:effectRef idx="0">
+            <a:schemeClr val="accent6"/>
+          </a:effectRef>
+          <a:fontRef idx="minor">
+            <a:schemeClr val="dk1"/>
+          </a:fontRef>
+        </p:style>
+        <p:txBody>
+          <a:bodyPr rtlCol="0" anchor="ctr"/>
+          <a:lstStyle/>
+          <a:p>
+            <a:pPr algn="ctr"/>
+            <a:r>
+              <a:rPr lang="en-IN" dirty="0"/>
+              <a:t>Go Home</a:t>
+            </a:r>
+          </a:p>
+        </p:txBody>
+      </p:sp>
+      <p:sp>
+        <p:nvSpPr>
+          <p:cNvPr id="17" name="Oval 16">
+            <a:extLst>
+              <a:ext uri="{FF2B5EF4-FFF2-40B4-BE49-F238E27FC236}">
+                <a16:creationId xmlns:a16="http://schemas.microsoft.com/office/drawing/2014/main" id="{7596E605-8ADA-22AA-EFDD-8822870923F6}"/>
+              </a:ext>
+            </a:extLst>
+          </p:cNvPr>
+          <p:cNvSpPr/>
+          <p:nvPr/>
+        </p:nvSpPr>
+        <p:spPr>
+          <a:xfrm>
+            <a:off x="1459831" y="3380871"/>
+            <a:ext cx="770021" cy="737937"/>
+          </a:xfrm>
+          <a:prstGeom prst="ellipse">
+            <a:avLst/>
+          </a:prstGeom>
+        </p:spPr>
+        <p:style>
+          <a:lnRef idx="2">
+            <a:schemeClr val="accent6"/>
+          </a:lnRef>
+          <a:fillRef idx="1">
+            <a:schemeClr val="lt1"/>
+          </a:fillRef>
+          <a:effectRef idx="0">
+            <a:schemeClr val="accent6"/>
+          </a:effectRef>
+          <a:fontRef idx="minor">
+            <a:schemeClr val="dk1"/>
+          </a:fontRef>
+        </p:style>
+        <p:txBody>
+          <a:bodyPr rtlCol="0" anchor="ctr"/>
+          <a:lstStyle/>
+          <a:p>
+            <a:pPr algn="ctr"/>
+            <a:endParaRPr lang="en-IN" dirty="0"/>
+          </a:p>
+        </p:txBody>
+      </p:sp>
+      <p:sp>
+        <p:nvSpPr>
+          <p:cNvPr id="18" name="Oval 17">
+            <a:extLst>
+              <a:ext uri="{FF2B5EF4-FFF2-40B4-BE49-F238E27FC236}">
+                <a16:creationId xmlns:a16="http://schemas.microsoft.com/office/drawing/2014/main" id="{EB0A7C72-1C12-60F3-D41C-32146408108D}"/>
+              </a:ext>
+            </a:extLst>
+          </p:cNvPr>
+          <p:cNvSpPr/>
+          <p:nvPr/>
+        </p:nvSpPr>
+        <p:spPr>
+          <a:xfrm>
+            <a:off x="3553327" y="3380871"/>
+            <a:ext cx="770021" cy="737937"/>
+          </a:xfrm>
+          <a:prstGeom prst="ellipse">
+            <a:avLst/>
+          </a:prstGeom>
+        </p:spPr>
+        <p:style>
+          <a:lnRef idx="2">
+            <a:schemeClr val="accent6"/>
+          </a:lnRef>
+          <a:fillRef idx="1">
+            <a:schemeClr val="lt1"/>
+          </a:fillRef>
+          <a:effectRef idx="0">
+            <a:schemeClr val="accent6"/>
+          </a:effectRef>
+          <a:fontRef idx="minor">
+            <a:schemeClr val="dk1"/>
+          </a:fontRef>
+        </p:style>
+        <p:txBody>
+          <a:bodyPr rtlCol="0" anchor="ctr"/>
+          <a:lstStyle/>
+          <a:p>
+            <a:pPr algn="ctr"/>
+            <a:endParaRPr lang="en-IN"/>
+          </a:p>
+        </p:txBody>
+      </p:sp>
+      <p:sp>
+        <p:nvSpPr>
+          <p:cNvPr id="19" name="Oval 18">
+            <a:extLst>
+              <a:ext uri="{FF2B5EF4-FFF2-40B4-BE49-F238E27FC236}">
+                <a16:creationId xmlns:a16="http://schemas.microsoft.com/office/drawing/2014/main" id="{D76EBB90-5EB7-4F88-158B-A87A49E99649}"/>
+              </a:ext>
+            </a:extLst>
+          </p:cNvPr>
+          <p:cNvSpPr/>
+          <p:nvPr/>
+        </p:nvSpPr>
+        <p:spPr>
+          <a:xfrm>
+            <a:off x="689810" y="5414207"/>
+            <a:ext cx="770021" cy="737937"/>
+          </a:xfrm>
+          <a:prstGeom prst="ellipse">
+            <a:avLst/>
+          </a:prstGeom>
+        </p:spPr>
+        <p:style>
+          <a:lnRef idx="2">
+            <a:schemeClr val="accent6"/>
+          </a:lnRef>
+          <a:fillRef idx="1">
+            <a:schemeClr val="lt1"/>
+          </a:fillRef>
+          <a:effectRef idx="0">
+            <a:schemeClr val="accent6"/>
+          </a:effectRef>
+          <a:fontRef idx="minor">
+            <a:schemeClr val="dk1"/>
+          </a:fontRef>
+        </p:style>
+        <p:txBody>
+          <a:bodyPr rtlCol="0" anchor="ctr"/>
+          <a:lstStyle/>
+          <a:p>
+            <a:pPr algn="ctr"/>
+            <a:endParaRPr lang="en-IN"/>
+          </a:p>
+        </p:txBody>
+      </p:sp>
+      <p:sp>
+        <p:nvSpPr>
+          <p:cNvPr id="20" name="Oval 19">
+            <a:extLst>
+              <a:ext uri="{FF2B5EF4-FFF2-40B4-BE49-F238E27FC236}">
+                <a16:creationId xmlns:a16="http://schemas.microsoft.com/office/drawing/2014/main" id="{7484C94C-1294-879E-B837-0CD455412E9F}"/>
+              </a:ext>
+            </a:extLst>
+          </p:cNvPr>
+          <p:cNvSpPr/>
+          <p:nvPr/>
+        </p:nvSpPr>
+        <p:spPr>
+          <a:xfrm>
+            <a:off x="2662759" y="5389432"/>
+            <a:ext cx="770021" cy="737937"/>
+          </a:xfrm>
+          <a:prstGeom prst="ellipse">
+            <a:avLst/>
+          </a:prstGeom>
+        </p:spPr>
+        <p:style>
+          <a:lnRef idx="2">
+            <a:schemeClr val="accent6"/>
+          </a:lnRef>
+          <a:fillRef idx="1">
+            <a:schemeClr val="lt1"/>
+          </a:fillRef>
+          <a:effectRef idx="0">
+            <a:schemeClr val="accent6"/>
+          </a:effectRef>
+          <a:fontRef idx="minor">
+            <a:schemeClr val="dk1"/>
+          </a:fontRef>
+        </p:style>
+        <p:txBody>
+          <a:bodyPr rtlCol="0" anchor="ctr"/>
+          <a:lstStyle/>
+          <a:p>
+            <a:pPr algn="ctr"/>
+            <a:endParaRPr lang="en-IN"/>
+          </a:p>
+        </p:txBody>
+      </p:sp>
+      <p:sp>
+        <p:nvSpPr>
+          <p:cNvPr id="21" name="Oval 20">
+            <a:extLst>
+              <a:ext uri="{FF2B5EF4-FFF2-40B4-BE49-F238E27FC236}">
+                <a16:creationId xmlns:a16="http://schemas.microsoft.com/office/drawing/2014/main" id="{2303BA0E-B7CC-C40F-2176-48BE0B5122AF}"/>
+              </a:ext>
+            </a:extLst>
+          </p:cNvPr>
+          <p:cNvSpPr/>
+          <p:nvPr/>
+        </p:nvSpPr>
+        <p:spPr>
+          <a:xfrm>
+            <a:off x="3853100" y="5414207"/>
+            <a:ext cx="770021" cy="737937"/>
+          </a:xfrm>
+          <a:prstGeom prst="ellipse">
+            <a:avLst/>
+          </a:prstGeom>
+        </p:spPr>
+        <p:style>
+          <a:lnRef idx="2">
+            <a:schemeClr val="accent6"/>
+          </a:lnRef>
+          <a:fillRef idx="1">
+            <a:schemeClr val="lt1"/>
+          </a:fillRef>
+          <a:effectRef idx="0">
+            <a:schemeClr val="accent6"/>
+          </a:effectRef>
+          <a:fontRef idx="minor">
+            <a:schemeClr val="dk1"/>
+          </a:fontRef>
+        </p:style>
+        <p:txBody>
+          <a:bodyPr rtlCol="0" anchor="ctr"/>
+          <a:lstStyle/>
+          <a:p>
+            <a:pPr algn="ctr"/>
+            <a:endParaRPr lang="en-IN"/>
+          </a:p>
+        </p:txBody>
+      </p:sp>
+      <p:sp>
+        <p:nvSpPr>
+          <p:cNvPr id="22" name="Oval 21">
+            <a:extLst>
+              <a:ext uri="{FF2B5EF4-FFF2-40B4-BE49-F238E27FC236}">
+                <a16:creationId xmlns:a16="http://schemas.microsoft.com/office/drawing/2014/main" id="{C592BC58-9813-6064-D428-A67E6FDB880D}"/>
+              </a:ext>
+            </a:extLst>
+          </p:cNvPr>
+          <p:cNvSpPr/>
+          <p:nvPr/>
+        </p:nvSpPr>
+        <p:spPr>
+          <a:xfrm>
+            <a:off x="5045951" y="5414207"/>
+            <a:ext cx="770021" cy="737937"/>
+          </a:xfrm>
+          <a:prstGeom prst="ellipse">
+            <a:avLst/>
+          </a:prstGeom>
+        </p:spPr>
+        <p:style>
+          <a:lnRef idx="2">
+            <a:schemeClr val="accent6"/>
+          </a:lnRef>
+          <a:fillRef idx="1">
+            <a:schemeClr val="lt1"/>
+          </a:fillRef>
+          <a:effectRef idx="0">
+            <a:schemeClr val="accent6"/>
+          </a:effectRef>
+          <a:fontRef idx="minor">
+            <a:schemeClr val="dk1"/>
+          </a:fontRef>
+        </p:style>
+        <p:txBody>
+          <a:bodyPr rtlCol="0" anchor="ctr"/>
+          <a:lstStyle/>
+          <a:p>
+            <a:pPr algn="ctr"/>
+            <a:endParaRPr lang="en-IN"/>
+          </a:p>
+        </p:txBody>
+      </p:sp>
+      <p:sp>
+        <p:nvSpPr>
+          <p:cNvPr id="23" name="Oval 22">
+            <a:extLst>
+              <a:ext uri="{FF2B5EF4-FFF2-40B4-BE49-F238E27FC236}">
+                <a16:creationId xmlns:a16="http://schemas.microsoft.com/office/drawing/2014/main" id="{3C99279C-D318-FE41-4255-EC5F66AAB375}"/>
+              </a:ext>
+            </a:extLst>
+          </p:cNvPr>
+          <p:cNvSpPr/>
+          <p:nvPr/>
+        </p:nvSpPr>
+        <p:spPr>
+          <a:xfrm>
+            <a:off x="6505074" y="3356806"/>
+            <a:ext cx="770021" cy="737937"/>
+          </a:xfrm>
+          <a:prstGeom prst="ellipse">
+            <a:avLst/>
+          </a:prstGeom>
+        </p:spPr>
+        <p:style>
+          <a:lnRef idx="2">
+            <a:schemeClr val="accent6"/>
+          </a:lnRef>
+          <a:fillRef idx="1">
+            <a:schemeClr val="lt1"/>
+          </a:fillRef>
+          <a:effectRef idx="0">
+            <a:schemeClr val="accent6"/>
+          </a:effectRef>
+          <a:fontRef idx="minor">
+            <a:schemeClr val="dk1"/>
+          </a:fontRef>
+        </p:style>
+        <p:txBody>
+          <a:bodyPr rtlCol="0" anchor="ctr"/>
+          <a:lstStyle/>
+          <a:p>
+            <a:pPr algn="ctr"/>
+            <a:endParaRPr lang="en-IN"/>
+          </a:p>
+        </p:txBody>
+      </p:sp>
+      <p:sp>
+        <p:nvSpPr>
+          <p:cNvPr id="24" name="Oval 23">
+            <a:extLst>
+              <a:ext uri="{FF2B5EF4-FFF2-40B4-BE49-F238E27FC236}">
+                <a16:creationId xmlns:a16="http://schemas.microsoft.com/office/drawing/2014/main" id="{C8F9B3EF-06B2-E22B-DE87-006B8893DBDC}"/>
+              </a:ext>
+            </a:extLst>
+          </p:cNvPr>
+          <p:cNvSpPr/>
+          <p:nvPr/>
+        </p:nvSpPr>
+        <p:spPr>
+          <a:xfrm>
+            <a:off x="8598570" y="3328731"/>
+            <a:ext cx="770021" cy="737937"/>
+          </a:xfrm>
+          <a:prstGeom prst="ellipse">
+            <a:avLst/>
+          </a:prstGeom>
+        </p:spPr>
+        <p:style>
+          <a:lnRef idx="2">
+            <a:schemeClr val="accent6"/>
+          </a:lnRef>
+          <a:fillRef idx="1">
+            <a:schemeClr val="lt1"/>
+          </a:fillRef>
+          <a:effectRef idx="0">
+            <a:schemeClr val="accent6"/>
+          </a:effectRef>
+          <a:fontRef idx="minor">
+            <a:schemeClr val="dk1"/>
+          </a:fontRef>
+        </p:style>
+        <p:txBody>
+          <a:bodyPr rtlCol="0" anchor="ctr"/>
+          <a:lstStyle/>
+          <a:p>
+            <a:pPr algn="ctr"/>
+            <a:endParaRPr lang="en-IN"/>
+          </a:p>
+        </p:txBody>
+      </p:sp>
+      <p:sp>
+        <p:nvSpPr>
+          <p:cNvPr id="25" name="Oval 24">
+            <a:extLst>
+              <a:ext uri="{FF2B5EF4-FFF2-40B4-BE49-F238E27FC236}">
+                <a16:creationId xmlns:a16="http://schemas.microsoft.com/office/drawing/2014/main" id="{A822C4C7-DF36-0B8E-4B90-64D53FA4C497}"/>
+              </a:ext>
+            </a:extLst>
+          </p:cNvPr>
+          <p:cNvSpPr/>
+          <p:nvPr/>
+        </p:nvSpPr>
+        <p:spPr>
+          <a:xfrm>
+            <a:off x="7422779" y="5117424"/>
+            <a:ext cx="770021" cy="737937"/>
+          </a:xfrm>
+          <a:prstGeom prst="ellipse">
+            <a:avLst/>
+          </a:prstGeom>
+        </p:spPr>
+        <p:style>
+          <a:lnRef idx="2">
+            <a:schemeClr val="accent6"/>
+          </a:lnRef>
+          <a:fillRef idx="1">
+            <a:schemeClr val="lt1"/>
+          </a:fillRef>
+          <a:effectRef idx="0">
+            <a:schemeClr val="accent6"/>
+          </a:effectRef>
+          <a:fontRef idx="minor">
+            <a:schemeClr val="dk1"/>
+          </a:fontRef>
+        </p:style>
+        <p:txBody>
+          <a:bodyPr rtlCol="0" anchor="ctr"/>
+          <a:lstStyle/>
+          <a:p>
+            <a:pPr algn="ctr"/>
+            <a:endParaRPr lang="en-IN"/>
+          </a:p>
+        </p:txBody>
+      </p:sp>
+      <p:sp>
+        <p:nvSpPr>
+          <p:cNvPr id="26" name="Oval 25">
+            <a:extLst>
+              <a:ext uri="{FF2B5EF4-FFF2-40B4-BE49-F238E27FC236}">
+                <a16:creationId xmlns:a16="http://schemas.microsoft.com/office/drawing/2014/main" id="{6E07BC99-C27B-D5CF-DF53-A7692FFF287B}"/>
+              </a:ext>
+            </a:extLst>
+          </p:cNvPr>
+          <p:cNvSpPr/>
+          <p:nvPr/>
+        </p:nvSpPr>
+        <p:spPr>
+          <a:xfrm>
+            <a:off x="8357942" y="4555952"/>
+            <a:ext cx="770021" cy="737937"/>
+          </a:xfrm>
+          <a:prstGeom prst="ellipse">
+            <a:avLst/>
+          </a:prstGeom>
+        </p:spPr>
+        <p:style>
+          <a:lnRef idx="2">
+            <a:schemeClr val="accent6"/>
+          </a:lnRef>
+          <a:fillRef idx="1">
+            <a:schemeClr val="lt1"/>
+          </a:fillRef>
+          <a:effectRef idx="0">
+            <a:schemeClr val="accent6"/>
+          </a:effectRef>
+          <a:fontRef idx="minor">
+            <a:schemeClr val="dk1"/>
+          </a:fontRef>
+        </p:style>
+        <p:txBody>
+          <a:bodyPr rtlCol="0" anchor="ctr"/>
+          <a:lstStyle/>
+          <a:p>
+            <a:pPr algn="ctr"/>
+            <a:endParaRPr lang="en-IN"/>
+          </a:p>
+        </p:txBody>
+      </p:sp>
+      <p:sp>
+        <p:nvSpPr>
+          <p:cNvPr id="27" name="Oval 26">
+            <a:extLst>
+              <a:ext uri="{FF2B5EF4-FFF2-40B4-BE49-F238E27FC236}">
+                <a16:creationId xmlns:a16="http://schemas.microsoft.com/office/drawing/2014/main" id="{5BD030BA-0FA7-4D35-9215-A887C766291D}"/>
+              </a:ext>
+            </a:extLst>
+          </p:cNvPr>
+          <p:cNvSpPr/>
+          <p:nvPr/>
+        </p:nvSpPr>
+        <p:spPr>
+          <a:xfrm>
+            <a:off x="9678115" y="4555952"/>
+            <a:ext cx="770021" cy="737937"/>
+          </a:xfrm>
+          <a:prstGeom prst="ellipse">
+            <a:avLst/>
+          </a:prstGeom>
+        </p:spPr>
+        <p:style>
+          <a:lnRef idx="2">
+            <a:schemeClr val="accent6"/>
+          </a:lnRef>
+          <a:fillRef idx="1">
+            <a:schemeClr val="lt1"/>
+          </a:fillRef>
+          <a:effectRef idx="0">
+            <a:schemeClr val="accent6"/>
+          </a:effectRef>
+          <a:fontRef idx="minor">
+            <a:schemeClr val="dk1"/>
+          </a:fontRef>
+        </p:style>
+        <p:txBody>
+          <a:bodyPr rtlCol="0" anchor="ctr"/>
+          <a:lstStyle/>
+          <a:p>
+            <a:pPr algn="ctr"/>
+            <a:endParaRPr lang="en-IN" dirty="0"/>
+          </a:p>
+        </p:txBody>
+      </p:sp>
+      <p:cxnSp>
+        <p:nvCxnSpPr>
+          <p:cNvPr id="29" name="Straight Connector 28">
+            <a:extLst>
+              <a:ext uri="{FF2B5EF4-FFF2-40B4-BE49-F238E27FC236}">
+                <a16:creationId xmlns:a16="http://schemas.microsoft.com/office/drawing/2014/main" id="{6CB647F5-DB94-A4D4-EF1D-84B2285A1377}"/>
+              </a:ext>
+            </a:extLst>
+          </p:cNvPr>
+          <p:cNvCxnSpPr>
+            <a:stCxn id="14" idx="3"/>
+          </p:cNvCxnSpPr>
+          <p:nvPr/>
+        </p:nvCxnSpPr>
+        <p:spPr>
+          <a:xfrm flipH="1">
+            <a:off x="3682371" y="950710"/>
+            <a:ext cx="1251758" cy="878090"/>
+          </a:xfrm>
+          <a:prstGeom prst="line">
+            <a:avLst/>
+          </a:prstGeom>
+        </p:spPr>
+        <p:style>
+          <a:lnRef idx="1">
+            <a:schemeClr val="accent1"/>
+          </a:lnRef>
+          <a:fillRef idx="0">
+            <a:schemeClr val="accent1"/>
+          </a:fillRef>
+          <a:effectRef idx="0">
+            <a:schemeClr val="accent1"/>
+          </a:effectRef>
+          <a:fontRef idx="minor">
+            <a:schemeClr val="tx1"/>
+          </a:fontRef>
+        </p:style>
+      </p:cxnSp>
+      <p:cxnSp>
+        <p:nvCxnSpPr>
+          <p:cNvPr id="30" name="Straight Connector 29">
+            <a:extLst>
+              <a:ext uri="{FF2B5EF4-FFF2-40B4-BE49-F238E27FC236}">
+                <a16:creationId xmlns:a16="http://schemas.microsoft.com/office/drawing/2014/main" id="{20F7AE15-B04D-1FD6-9887-284A7EBB43E1}"/>
+              </a:ext>
+            </a:extLst>
+          </p:cNvPr>
+          <p:cNvCxnSpPr>
+            <a:cxnSpLocks/>
+            <a:stCxn id="14" idx="5"/>
+          </p:cNvCxnSpPr>
+          <p:nvPr/>
+        </p:nvCxnSpPr>
+        <p:spPr>
+          <a:xfrm>
+            <a:off x="5478616" y="950710"/>
+            <a:ext cx="1135214" cy="878090"/>
+          </a:xfrm>
+          <a:prstGeom prst="line">
+            <a:avLst/>
+          </a:prstGeom>
+        </p:spPr>
+        <p:style>
+          <a:lnRef idx="1">
+            <a:schemeClr val="accent1"/>
+          </a:lnRef>
+          <a:fillRef idx="0">
+            <a:schemeClr val="accent1"/>
+          </a:fillRef>
+          <a:effectRef idx="0">
+            <a:schemeClr val="accent1"/>
+          </a:effectRef>
+          <a:fontRef idx="minor">
+            <a:schemeClr val="tx1"/>
+          </a:fontRef>
+        </p:style>
+      </p:cxnSp>
+      <p:cxnSp>
+        <p:nvCxnSpPr>
+          <p:cNvPr id="32" name="Straight Connector 31">
+            <a:extLst>
+              <a:ext uri="{FF2B5EF4-FFF2-40B4-BE49-F238E27FC236}">
+                <a16:creationId xmlns:a16="http://schemas.microsoft.com/office/drawing/2014/main" id="{68E1B0B0-4A44-28CD-9FC0-1E93A9C7A4F8}"/>
+              </a:ext>
+            </a:extLst>
+          </p:cNvPr>
+          <p:cNvCxnSpPr>
+            <a:cxnSpLocks/>
+            <a:endCxn id="17" idx="0"/>
+          </p:cNvCxnSpPr>
+          <p:nvPr/>
+        </p:nvCxnSpPr>
+        <p:spPr>
+          <a:xfrm flipH="1">
+            <a:off x="1844842" y="2807367"/>
+            <a:ext cx="385010" cy="573504"/>
+          </a:xfrm>
+          <a:prstGeom prst="line">
+            <a:avLst/>
+          </a:prstGeom>
+        </p:spPr>
+        <p:style>
+          <a:lnRef idx="1">
+            <a:schemeClr val="accent1"/>
+          </a:lnRef>
+          <a:fillRef idx="0">
+            <a:schemeClr val="accent1"/>
+          </a:fillRef>
+          <a:effectRef idx="0">
+            <a:schemeClr val="accent1"/>
+          </a:effectRef>
+          <a:fontRef idx="minor">
+            <a:schemeClr val="tx1"/>
+          </a:fontRef>
+        </p:style>
+      </p:cxnSp>
+      <p:cxnSp>
+        <p:nvCxnSpPr>
+          <p:cNvPr id="35" name="Straight Connector 34">
+            <a:extLst>
+              <a:ext uri="{FF2B5EF4-FFF2-40B4-BE49-F238E27FC236}">
+                <a16:creationId xmlns:a16="http://schemas.microsoft.com/office/drawing/2014/main" id="{FCCD4309-3BF4-82CB-D49A-0F609F313024}"/>
+              </a:ext>
+            </a:extLst>
+          </p:cNvPr>
+          <p:cNvCxnSpPr>
+            <a:cxnSpLocks/>
+            <a:stCxn id="17" idx="3"/>
+            <a:endCxn id="19" idx="0"/>
+          </p:cNvCxnSpPr>
+          <p:nvPr/>
+        </p:nvCxnSpPr>
+        <p:spPr>
+          <a:xfrm flipH="1">
+            <a:off x="1074821" y="4010740"/>
+            <a:ext cx="497777" cy="1403467"/>
+          </a:xfrm>
+          <a:prstGeom prst="line">
+            <a:avLst/>
+          </a:prstGeom>
+        </p:spPr>
+        <p:style>
+          <a:lnRef idx="1">
+            <a:schemeClr val="accent1"/>
+          </a:lnRef>
+          <a:fillRef idx="0">
+            <a:schemeClr val="accent1"/>
+          </a:fillRef>
+          <a:effectRef idx="0">
+            <a:schemeClr val="accent1"/>
+          </a:effectRef>
+          <a:fontRef idx="minor">
+            <a:schemeClr val="tx1"/>
+          </a:fontRef>
+        </p:style>
+      </p:cxnSp>
+      <p:cxnSp>
+        <p:nvCxnSpPr>
+          <p:cNvPr id="38" name="Straight Connector 37">
+            <a:extLst>
+              <a:ext uri="{FF2B5EF4-FFF2-40B4-BE49-F238E27FC236}">
+                <a16:creationId xmlns:a16="http://schemas.microsoft.com/office/drawing/2014/main" id="{5E73E8AD-B350-989A-7EDE-D230F58312F2}"/>
+              </a:ext>
+            </a:extLst>
+          </p:cNvPr>
+          <p:cNvCxnSpPr>
+            <a:cxnSpLocks/>
+            <a:endCxn id="20" idx="0"/>
+          </p:cNvCxnSpPr>
+          <p:nvPr/>
+        </p:nvCxnSpPr>
+        <p:spPr>
+          <a:xfrm>
+            <a:off x="2133701" y="4058924"/>
+            <a:ext cx="914069" cy="1330508"/>
+          </a:xfrm>
+          <a:prstGeom prst="line">
+            <a:avLst/>
+          </a:prstGeom>
+        </p:spPr>
+        <p:style>
+          <a:lnRef idx="1">
+            <a:schemeClr val="accent1"/>
+          </a:lnRef>
+          <a:fillRef idx="0">
+            <a:schemeClr val="accent1"/>
+          </a:fillRef>
+          <a:effectRef idx="0">
+            <a:schemeClr val="accent1"/>
+          </a:effectRef>
+          <a:fontRef idx="minor">
+            <a:schemeClr val="tx1"/>
+          </a:fontRef>
+        </p:style>
+      </p:cxnSp>
+      <p:cxnSp>
+        <p:nvCxnSpPr>
+          <p:cNvPr id="41" name="Straight Connector 40">
+            <a:extLst>
+              <a:ext uri="{FF2B5EF4-FFF2-40B4-BE49-F238E27FC236}">
+                <a16:creationId xmlns:a16="http://schemas.microsoft.com/office/drawing/2014/main" id="{C97AB7A7-B1BA-B1F4-92AC-EE1CD6358D76}"/>
+              </a:ext>
+            </a:extLst>
+          </p:cNvPr>
+          <p:cNvCxnSpPr>
+            <a:cxnSpLocks/>
+            <a:stCxn id="18" idx="4"/>
+            <a:endCxn id="21" idx="0"/>
+          </p:cNvCxnSpPr>
+          <p:nvPr/>
+        </p:nvCxnSpPr>
+        <p:spPr>
+          <a:xfrm>
+            <a:off x="3938338" y="4118808"/>
+            <a:ext cx="299773" cy="1295399"/>
+          </a:xfrm>
+          <a:prstGeom prst="line">
+            <a:avLst/>
+          </a:prstGeom>
+        </p:spPr>
+        <p:style>
+          <a:lnRef idx="1">
+            <a:schemeClr val="accent1"/>
+          </a:lnRef>
+          <a:fillRef idx="0">
+            <a:schemeClr val="accent1"/>
+          </a:fillRef>
+          <a:effectRef idx="0">
+            <a:schemeClr val="accent1"/>
+          </a:effectRef>
+          <a:fontRef idx="minor">
+            <a:schemeClr val="tx1"/>
+          </a:fontRef>
+        </p:style>
+      </p:cxnSp>
+      <p:cxnSp>
+        <p:nvCxnSpPr>
+          <p:cNvPr id="44" name="Straight Connector 43">
+            <a:extLst>
+              <a:ext uri="{FF2B5EF4-FFF2-40B4-BE49-F238E27FC236}">
+                <a16:creationId xmlns:a16="http://schemas.microsoft.com/office/drawing/2014/main" id="{E85DDA0E-F0C6-D86F-5A25-0BF1F4D7D78E}"/>
+              </a:ext>
+            </a:extLst>
+          </p:cNvPr>
+          <p:cNvCxnSpPr>
+            <a:cxnSpLocks/>
+            <a:stCxn id="18" idx="5"/>
+            <a:endCxn id="22" idx="0"/>
+          </p:cNvCxnSpPr>
+          <p:nvPr/>
+        </p:nvCxnSpPr>
+        <p:spPr>
+          <a:xfrm>
+            <a:off x="4210581" y="4010740"/>
+            <a:ext cx="1220381" cy="1403467"/>
+          </a:xfrm>
+          <a:prstGeom prst="line">
+            <a:avLst/>
+          </a:prstGeom>
+        </p:spPr>
+        <p:style>
+          <a:lnRef idx="1">
+            <a:schemeClr val="accent1"/>
+          </a:lnRef>
+          <a:fillRef idx="0">
+            <a:schemeClr val="accent1"/>
+          </a:fillRef>
+          <a:effectRef idx="0">
+            <a:schemeClr val="accent1"/>
+          </a:effectRef>
+          <a:fontRef idx="minor">
+            <a:schemeClr val="tx1"/>
+          </a:fontRef>
+        </p:style>
+      </p:cxnSp>
+      <p:cxnSp>
+        <p:nvCxnSpPr>
+          <p:cNvPr id="47" name="Straight Connector 46">
+            <a:extLst>
+              <a:ext uri="{FF2B5EF4-FFF2-40B4-BE49-F238E27FC236}">
+                <a16:creationId xmlns:a16="http://schemas.microsoft.com/office/drawing/2014/main" id="{12750B99-4A97-07B1-9527-0AAC9D1546B3}"/>
+              </a:ext>
+            </a:extLst>
+          </p:cNvPr>
+          <p:cNvCxnSpPr>
+            <a:cxnSpLocks/>
+            <a:endCxn id="18" idx="0"/>
+          </p:cNvCxnSpPr>
+          <p:nvPr/>
+        </p:nvCxnSpPr>
+        <p:spPr>
+          <a:xfrm>
+            <a:off x="3673641" y="2807368"/>
+            <a:ext cx="264697" cy="573503"/>
+          </a:xfrm>
+          <a:prstGeom prst="line">
+            <a:avLst/>
+          </a:prstGeom>
+        </p:spPr>
+        <p:style>
+          <a:lnRef idx="1">
+            <a:schemeClr val="accent1"/>
+          </a:lnRef>
+          <a:fillRef idx="0">
+            <a:schemeClr val="accent1"/>
+          </a:fillRef>
+          <a:effectRef idx="0">
+            <a:schemeClr val="accent1"/>
+          </a:effectRef>
+          <a:fontRef idx="minor">
+            <a:schemeClr val="tx1"/>
+          </a:fontRef>
+        </p:style>
+      </p:cxnSp>
+      <p:cxnSp>
+        <p:nvCxnSpPr>
+          <p:cNvPr id="50" name="Straight Connector 49">
+            <a:extLst>
+              <a:ext uri="{FF2B5EF4-FFF2-40B4-BE49-F238E27FC236}">
+                <a16:creationId xmlns:a16="http://schemas.microsoft.com/office/drawing/2014/main" id="{F2A2D657-3BBA-8979-0981-49E0EC5E86A2}"/>
+              </a:ext>
+            </a:extLst>
+          </p:cNvPr>
+          <p:cNvCxnSpPr>
+            <a:cxnSpLocks/>
+            <a:stCxn id="16" idx="2"/>
+            <a:endCxn id="23" idx="0"/>
+          </p:cNvCxnSpPr>
+          <p:nvPr/>
+        </p:nvCxnSpPr>
+        <p:spPr>
+          <a:xfrm flipH="1">
+            <a:off x="6890085" y="2807368"/>
+            <a:ext cx="465221" cy="549438"/>
+          </a:xfrm>
+          <a:prstGeom prst="line">
+            <a:avLst/>
+          </a:prstGeom>
+        </p:spPr>
+        <p:style>
+          <a:lnRef idx="1">
+            <a:schemeClr val="accent1"/>
+          </a:lnRef>
+          <a:fillRef idx="0">
+            <a:schemeClr val="accent1"/>
+          </a:fillRef>
+          <a:effectRef idx="0">
+            <a:schemeClr val="accent1"/>
+          </a:effectRef>
+          <a:fontRef idx="minor">
+            <a:schemeClr val="tx1"/>
+          </a:fontRef>
+        </p:style>
+      </p:cxnSp>
+      <p:cxnSp>
+        <p:nvCxnSpPr>
+          <p:cNvPr id="53" name="Straight Connector 52">
+            <a:extLst>
+              <a:ext uri="{FF2B5EF4-FFF2-40B4-BE49-F238E27FC236}">
+                <a16:creationId xmlns:a16="http://schemas.microsoft.com/office/drawing/2014/main" id="{2E94D6AF-9963-E7D7-0AB5-97AD0DEEA1B6}"/>
+              </a:ext>
+            </a:extLst>
+          </p:cNvPr>
+          <p:cNvCxnSpPr>
+            <a:cxnSpLocks/>
+            <a:stCxn id="16" idx="3"/>
+            <a:endCxn id="24" idx="0"/>
+          </p:cNvCxnSpPr>
+          <p:nvPr/>
+        </p:nvCxnSpPr>
+        <p:spPr>
+          <a:xfrm>
+            <a:off x="8077200" y="2318084"/>
+            <a:ext cx="906381" cy="1010647"/>
+          </a:xfrm>
+          <a:prstGeom prst="line">
+            <a:avLst/>
+          </a:prstGeom>
+        </p:spPr>
+        <p:style>
+          <a:lnRef idx="1">
+            <a:schemeClr val="accent1"/>
+          </a:lnRef>
+          <a:fillRef idx="0">
+            <a:schemeClr val="accent1"/>
+          </a:fillRef>
+          <a:effectRef idx="0">
+            <a:schemeClr val="accent1"/>
+          </a:effectRef>
+          <a:fontRef idx="minor">
+            <a:schemeClr val="tx1"/>
+          </a:fontRef>
+        </p:style>
+      </p:cxnSp>
+      <p:cxnSp>
+        <p:nvCxnSpPr>
+          <p:cNvPr id="56" name="Straight Connector 55">
+            <a:extLst>
+              <a:ext uri="{FF2B5EF4-FFF2-40B4-BE49-F238E27FC236}">
+                <a16:creationId xmlns:a16="http://schemas.microsoft.com/office/drawing/2014/main" id="{C532200C-C9B4-7A94-2BC8-795C3675BEDC}"/>
+              </a:ext>
+            </a:extLst>
+          </p:cNvPr>
+          <p:cNvCxnSpPr>
+            <a:cxnSpLocks/>
+            <a:stCxn id="23" idx="4"/>
+            <a:endCxn id="25" idx="0"/>
+          </p:cNvCxnSpPr>
+          <p:nvPr/>
+        </p:nvCxnSpPr>
+        <p:spPr>
+          <a:xfrm>
+            <a:off x="6890085" y="4094743"/>
+            <a:ext cx="917705" cy="1022681"/>
+          </a:xfrm>
+          <a:prstGeom prst="line">
+            <a:avLst/>
+          </a:prstGeom>
+        </p:spPr>
+        <p:style>
+          <a:lnRef idx="1">
+            <a:schemeClr val="accent1"/>
+          </a:lnRef>
+          <a:fillRef idx="0">
+            <a:schemeClr val="accent1"/>
+          </a:fillRef>
+          <a:effectRef idx="0">
+            <a:schemeClr val="accent1"/>
+          </a:effectRef>
+          <a:fontRef idx="minor">
+            <a:schemeClr val="tx1"/>
+          </a:fontRef>
+        </p:style>
+      </p:cxnSp>
+      <p:cxnSp>
+        <p:nvCxnSpPr>
+          <p:cNvPr id="59" name="Straight Connector 58">
+            <a:extLst>
+              <a:ext uri="{FF2B5EF4-FFF2-40B4-BE49-F238E27FC236}">
+                <a16:creationId xmlns:a16="http://schemas.microsoft.com/office/drawing/2014/main" id="{B174580D-43C2-5DBE-27C9-323687EEF252}"/>
+              </a:ext>
+            </a:extLst>
+          </p:cNvPr>
+          <p:cNvCxnSpPr>
+            <a:cxnSpLocks/>
+            <a:stCxn id="23" idx="5"/>
+            <a:endCxn id="26" idx="0"/>
+          </p:cNvCxnSpPr>
+          <p:nvPr/>
+        </p:nvCxnSpPr>
+        <p:spPr>
+          <a:xfrm>
+            <a:off x="7162328" y="3986675"/>
+            <a:ext cx="1580625" cy="569277"/>
+          </a:xfrm>
+          <a:prstGeom prst="line">
+            <a:avLst/>
+          </a:prstGeom>
+        </p:spPr>
+        <p:style>
+          <a:lnRef idx="1">
+            <a:schemeClr val="accent1"/>
+          </a:lnRef>
+          <a:fillRef idx="0">
+            <a:schemeClr val="accent1"/>
+          </a:fillRef>
+          <a:effectRef idx="0">
+            <a:schemeClr val="accent1"/>
+          </a:effectRef>
+          <a:fontRef idx="minor">
+            <a:schemeClr val="tx1"/>
+          </a:fontRef>
+        </p:style>
+      </p:cxnSp>
+      <p:cxnSp>
+        <p:nvCxnSpPr>
+          <p:cNvPr id="62" name="Straight Connector 61">
+            <a:extLst>
+              <a:ext uri="{FF2B5EF4-FFF2-40B4-BE49-F238E27FC236}">
+                <a16:creationId xmlns:a16="http://schemas.microsoft.com/office/drawing/2014/main" id="{15730225-0A11-7A09-E7F9-19FF8C740996}"/>
+              </a:ext>
+            </a:extLst>
+          </p:cNvPr>
+          <p:cNvCxnSpPr>
+            <a:cxnSpLocks/>
+            <a:stCxn id="24" idx="5"/>
+            <a:endCxn id="27" idx="1"/>
+          </p:cNvCxnSpPr>
+          <p:nvPr/>
+        </p:nvCxnSpPr>
+        <p:spPr>
+          <a:xfrm>
+            <a:off x="9255824" y="3958600"/>
+            <a:ext cx="535058" cy="705420"/>
+          </a:xfrm>
+          <a:prstGeom prst="line">
+            <a:avLst/>
+          </a:prstGeom>
+        </p:spPr>
+        <p:style>
+          <a:lnRef idx="1">
+            <a:schemeClr val="accent1"/>
+          </a:lnRef>
+          <a:fillRef idx="0">
+            <a:schemeClr val="accent1"/>
+          </a:fillRef>
+          <a:effectRef idx="0">
+            <a:schemeClr val="accent1"/>
+          </a:effectRef>
+          <a:fontRef idx="minor">
+            <a:schemeClr val="tx1"/>
+          </a:fontRef>
+        </p:style>
+      </p:cxnSp>
+      <p:cxnSp>
+        <p:nvCxnSpPr>
+          <p:cNvPr id="65" name="Straight Connector 64">
+            <a:extLst>
+              <a:ext uri="{FF2B5EF4-FFF2-40B4-BE49-F238E27FC236}">
+                <a16:creationId xmlns:a16="http://schemas.microsoft.com/office/drawing/2014/main" id="{B5F6811A-64A9-7470-26A4-B2E6081E34D9}"/>
+              </a:ext>
+            </a:extLst>
+          </p:cNvPr>
+          <p:cNvCxnSpPr>
+            <a:cxnSpLocks/>
+            <a:stCxn id="24" idx="5"/>
+            <a:endCxn id="73" idx="0"/>
+          </p:cNvCxnSpPr>
+          <p:nvPr/>
+        </p:nvCxnSpPr>
+        <p:spPr>
+          <a:xfrm>
+            <a:off x="9255824" y="3958600"/>
+            <a:ext cx="2021784" cy="228384"/>
+          </a:xfrm>
+          <a:prstGeom prst="line">
+            <a:avLst/>
+          </a:prstGeom>
+        </p:spPr>
+        <p:style>
+          <a:lnRef idx="1">
+            <a:schemeClr val="accent1"/>
+          </a:lnRef>
+          <a:fillRef idx="0">
+            <a:schemeClr val="accent1"/>
+          </a:fillRef>
+          <a:effectRef idx="0">
+            <a:schemeClr val="accent1"/>
+          </a:effectRef>
+          <a:fontRef idx="minor">
+            <a:schemeClr val="tx1"/>
+          </a:fontRef>
+        </p:style>
+      </p:cxnSp>
+      <p:sp>
+        <p:nvSpPr>
+          <p:cNvPr id="73" name="Oval 72">
+            <a:extLst>
+              <a:ext uri="{FF2B5EF4-FFF2-40B4-BE49-F238E27FC236}">
+                <a16:creationId xmlns:a16="http://schemas.microsoft.com/office/drawing/2014/main" id="{F2CFAE8E-2E82-5B30-DFDA-94350CB549F0}"/>
+              </a:ext>
+            </a:extLst>
+          </p:cNvPr>
+          <p:cNvSpPr/>
+          <p:nvPr/>
+        </p:nvSpPr>
+        <p:spPr>
+          <a:xfrm>
+            <a:off x="10892597" y="4186984"/>
+            <a:ext cx="770021" cy="737937"/>
+          </a:xfrm>
+          <a:prstGeom prst="ellipse">
+            <a:avLst/>
+          </a:prstGeom>
+        </p:spPr>
+        <p:style>
+          <a:lnRef idx="2">
+            <a:schemeClr val="accent6"/>
+          </a:lnRef>
+          <a:fillRef idx="1">
+            <a:schemeClr val="lt1"/>
+          </a:fillRef>
+          <a:effectRef idx="0">
+            <a:schemeClr val="accent6"/>
+          </a:effectRef>
+          <a:fontRef idx="minor">
+            <a:schemeClr val="dk1"/>
+          </a:fontRef>
+        </p:style>
+        <p:txBody>
+          <a:bodyPr rtlCol="0" anchor="ctr"/>
+          <a:lstStyle/>
+          <a:p>
+            <a:pPr algn="ctr"/>
+            <a:endParaRPr lang="en-IN"/>
+          </a:p>
+        </p:txBody>
+      </p:sp>
+      <p:sp>
+        <p:nvSpPr>
+          <p:cNvPr id="86" name="TextBox 85">
+            <a:extLst>
+              <a:ext uri="{FF2B5EF4-FFF2-40B4-BE49-F238E27FC236}">
+                <a16:creationId xmlns:a16="http://schemas.microsoft.com/office/drawing/2014/main" id="{E1392D61-11DB-7E61-93D4-402488E6DC48}"/>
+              </a:ext>
+            </a:extLst>
+          </p:cNvPr>
+          <p:cNvSpPr txBox="1"/>
+          <p:nvPr/>
+        </p:nvSpPr>
+        <p:spPr>
+          <a:xfrm>
+            <a:off x="61097" y="6236717"/>
+            <a:ext cx="1976250" cy="369332"/>
+          </a:xfrm>
+          <a:prstGeom prst="rect">
+            <a:avLst/>
+          </a:prstGeom>
+          <a:noFill/>
+        </p:spPr>
+        <p:txBody>
+          <a:bodyPr wrap="square" rtlCol="0">
+            <a:spAutoFit/>
+          </a:bodyPr>
+          <a:lstStyle/>
+          <a:p>
+            <a:r>
+              <a:rPr lang="en-IN" dirty="0"/>
+              <a:t>6.54 </a:t>
+            </a:r>
+            <a:r>
+              <a:rPr lang="en-IN" dirty="0" err="1"/>
+              <a:t>wali</a:t>
+            </a:r>
+            <a:r>
+              <a:rPr lang="en-IN" dirty="0"/>
+              <a:t> train</a:t>
+            </a:r>
+          </a:p>
+        </p:txBody>
+      </p:sp>
+      <p:sp>
+        <p:nvSpPr>
+          <p:cNvPr id="88" name="TextBox 87">
+            <a:extLst>
+              <a:ext uri="{FF2B5EF4-FFF2-40B4-BE49-F238E27FC236}">
+                <a16:creationId xmlns:a16="http://schemas.microsoft.com/office/drawing/2014/main" id="{29F1895C-8D90-D457-D35F-E1A74749F168}"/>
+              </a:ext>
+            </a:extLst>
+          </p:cNvPr>
+          <p:cNvSpPr txBox="1"/>
+          <p:nvPr/>
+        </p:nvSpPr>
+        <p:spPr>
+          <a:xfrm>
+            <a:off x="2854785" y="3356442"/>
+            <a:ext cx="898357" cy="369332"/>
+          </a:xfrm>
+          <a:prstGeom prst="rect">
+            <a:avLst/>
+          </a:prstGeom>
+          <a:noFill/>
+        </p:spPr>
+        <p:txBody>
+          <a:bodyPr wrap="square">
+            <a:spAutoFit/>
+          </a:bodyPr>
+          <a:lstStyle/>
+          <a:p>
+            <a:r>
+              <a:rPr lang="en-IN" dirty="0"/>
+              <a:t>Walk</a:t>
+            </a:r>
+          </a:p>
+        </p:txBody>
+      </p:sp>
+      <p:sp>
+        <p:nvSpPr>
+          <p:cNvPr id="89" name="TextBox 88">
+            <a:extLst>
+              <a:ext uri="{FF2B5EF4-FFF2-40B4-BE49-F238E27FC236}">
+                <a16:creationId xmlns:a16="http://schemas.microsoft.com/office/drawing/2014/main" id="{F89AA88B-438F-B1C4-C6D8-BF922F4986D6}"/>
+              </a:ext>
+            </a:extLst>
+          </p:cNvPr>
+          <p:cNvSpPr txBox="1"/>
+          <p:nvPr/>
+        </p:nvSpPr>
+        <p:spPr>
+          <a:xfrm>
+            <a:off x="452481" y="3511139"/>
+            <a:ext cx="1483893" cy="369332"/>
+          </a:xfrm>
+          <a:prstGeom prst="rect">
+            <a:avLst/>
+          </a:prstGeom>
+          <a:noFill/>
+        </p:spPr>
+        <p:txBody>
+          <a:bodyPr wrap="square" rtlCol="0">
+            <a:spAutoFit/>
+          </a:bodyPr>
+          <a:lstStyle/>
+          <a:p>
+            <a:r>
+              <a:rPr lang="en-IN" dirty="0"/>
+              <a:t>Train</a:t>
+            </a:r>
+          </a:p>
+        </p:txBody>
+      </p:sp>
+      <p:sp>
+        <p:nvSpPr>
+          <p:cNvPr id="90" name="TextBox 89">
+            <a:extLst>
+              <a:ext uri="{FF2B5EF4-FFF2-40B4-BE49-F238E27FC236}">
+                <a16:creationId xmlns:a16="http://schemas.microsoft.com/office/drawing/2014/main" id="{421DF621-AFE3-BC7C-D72C-C71932594151}"/>
+              </a:ext>
+            </a:extLst>
+          </p:cNvPr>
+          <p:cNvSpPr txBox="1"/>
+          <p:nvPr/>
+        </p:nvSpPr>
+        <p:spPr>
+          <a:xfrm>
+            <a:off x="1877866" y="6248250"/>
+            <a:ext cx="1976250" cy="369332"/>
+          </a:xfrm>
+          <a:prstGeom prst="rect">
+            <a:avLst/>
+          </a:prstGeom>
+          <a:noFill/>
+        </p:spPr>
+        <p:txBody>
+          <a:bodyPr wrap="square" rtlCol="0">
+            <a:spAutoFit/>
+          </a:bodyPr>
+          <a:lstStyle/>
+          <a:p>
+            <a:r>
+              <a:rPr lang="en-IN" dirty="0"/>
+              <a:t>7.10 </a:t>
+            </a:r>
+            <a:r>
+              <a:rPr lang="en-IN" dirty="0" err="1"/>
+              <a:t>wali</a:t>
+            </a:r>
+            <a:r>
+              <a:rPr lang="en-IN" dirty="0"/>
+              <a:t> train</a:t>
+            </a:r>
+          </a:p>
+        </p:txBody>
+      </p:sp>
+      <p:sp>
+        <p:nvSpPr>
+          <p:cNvPr id="96" name="TextBox 95">
+            <a:extLst>
+              <a:ext uri="{FF2B5EF4-FFF2-40B4-BE49-F238E27FC236}">
+                <a16:creationId xmlns:a16="http://schemas.microsoft.com/office/drawing/2014/main" id="{ED96E420-1F94-DD06-58FC-98E60B03418D}"/>
+              </a:ext>
+            </a:extLst>
+          </p:cNvPr>
+          <p:cNvSpPr txBox="1"/>
+          <p:nvPr/>
+        </p:nvSpPr>
+        <p:spPr>
+          <a:xfrm>
+            <a:off x="3600448" y="6116261"/>
+            <a:ext cx="1818547" cy="584775"/>
+          </a:xfrm>
+          <a:prstGeom prst="rect">
+            <a:avLst/>
+          </a:prstGeom>
+          <a:noFill/>
+        </p:spPr>
+        <p:txBody>
+          <a:bodyPr wrap="square" rtlCol="0">
+            <a:spAutoFit/>
+          </a:bodyPr>
+          <a:lstStyle/>
+          <a:p>
+            <a:r>
+              <a:rPr lang="en-IN" sz="1600" dirty="0"/>
+              <a:t>Station ka </a:t>
+            </a:r>
+            <a:r>
+              <a:rPr lang="en-IN" sz="1600" dirty="0" err="1"/>
+              <a:t>straing</a:t>
+            </a:r>
+            <a:r>
+              <a:rPr lang="en-IN" sz="1600" dirty="0"/>
+              <a:t> road</a:t>
+            </a:r>
+          </a:p>
+        </p:txBody>
+      </p:sp>
+      <p:sp>
+        <p:nvSpPr>
+          <p:cNvPr id="99" name="TextBox 98">
+            <a:extLst>
+              <a:ext uri="{FF2B5EF4-FFF2-40B4-BE49-F238E27FC236}">
+                <a16:creationId xmlns:a16="http://schemas.microsoft.com/office/drawing/2014/main" id="{A6593439-5D95-74B8-84AC-A7DC669E1655}"/>
+              </a:ext>
+            </a:extLst>
+          </p:cNvPr>
+          <p:cNvSpPr txBox="1"/>
+          <p:nvPr/>
+        </p:nvSpPr>
+        <p:spPr>
+          <a:xfrm>
+            <a:off x="10330891" y="5125442"/>
+            <a:ext cx="2058355" cy="584775"/>
+          </a:xfrm>
+          <a:prstGeom prst="rect">
+            <a:avLst/>
+          </a:prstGeom>
+          <a:noFill/>
+        </p:spPr>
+        <p:txBody>
+          <a:bodyPr wrap="square" rtlCol="0">
+            <a:spAutoFit/>
+          </a:bodyPr>
+          <a:lstStyle/>
+          <a:p>
+            <a:r>
+              <a:rPr lang="en-IN" sz="1600" dirty="0"/>
+              <a:t>Depends on context</a:t>
+            </a:r>
+          </a:p>
+        </p:txBody>
+      </p:sp>
+      <p:sp>
+        <p:nvSpPr>
+          <p:cNvPr id="106" name="TextBox 105">
+            <a:extLst>
+              <a:ext uri="{FF2B5EF4-FFF2-40B4-BE49-F238E27FC236}">
+                <a16:creationId xmlns:a16="http://schemas.microsoft.com/office/drawing/2014/main" id="{2EEF846C-60BE-0AA3-C7A7-7DD6B858A00C}"/>
+              </a:ext>
+            </a:extLst>
+          </p:cNvPr>
+          <p:cNvSpPr txBox="1"/>
+          <p:nvPr/>
+        </p:nvSpPr>
+        <p:spPr>
+          <a:xfrm>
+            <a:off x="5670885" y="3196205"/>
+            <a:ext cx="898357" cy="369332"/>
+          </a:xfrm>
+          <a:prstGeom prst="rect">
+            <a:avLst/>
+          </a:prstGeom>
+          <a:noFill/>
+        </p:spPr>
+        <p:txBody>
+          <a:bodyPr wrap="square">
+            <a:spAutoFit/>
+          </a:bodyPr>
+          <a:lstStyle/>
+          <a:p>
+            <a:r>
+              <a:rPr lang="en-IN" dirty="0"/>
+              <a:t>Walk</a:t>
+            </a:r>
+          </a:p>
+        </p:txBody>
+      </p:sp>
+      <p:sp>
+        <p:nvSpPr>
+          <p:cNvPr id="107" name="TextBox 106">
+            <a:extLst>
+              <a:ext uri="{FF2B5EF4-FFF2-40B4-BE49-F238E27FC236}">
+                <a16:creationId xmlns:a16="http://schemas.microsoft.com/office/drawing/2014/main" id="{30026D70-6F8A-D331-ABB4-56F64EF0615C}"/>
+              </a:ext>
+            </a:extLst>
+          </p:cNvPr>
+          <p:cNvSpPr txBox="1"/>
+          <p:nvPr/>
+        </p:nvSpPr>
+        <p:spPr>
+          <a:xfrm>
+            <a:off x="7853322" y="3166223"/>
+            <a:ext cx="1483893" cy="369332"/>
+          </a:xfrm>
+          <a:prstGeom prst="rect">
+            <a:avLst/>
+          </a:prstGeom>
+          <a:noFill/>
+        </p:spPr>
+        <p:txBody>
+          <a:bodyPr wrap="square" rtlCol="0">
+            <a:spAutoFit/>
+          </a:bodyPr>
+          <a:lstStyle/>
+          <a:p>
+            <a:r>
+              <a:rPr lang="en-IN" dirty="0"/>
+              <a:t>Train</a:t>
+            </a:r>
+          </a:p>
+        </p:txBody>
+      </p:sp>
+      <p:sp>
+        <p:nvSpPr>
+          <p:cNvPr id="109" name="TextBox 108">
+            <a:extLst>
+              <a:ext uri="{FF2B5EF4-FFF2-40B4-BE49-F238E27FC236}">
+                <a16:creationId xmlns:a16="http://schemas.microsoft.com/office/drawing/2014/main" id="{0BA95B0D-A0FE-E9E7-1441-36F10CAA0D76}"/>
+              </a:ext>
+            </a:extLst>
+          </p:cNvPr>
+          <p:cNvSpPr txBox="1"/>
+          <p:nvPr/>
+        </p:nvSpPr>
+        <p:spPr>
+          <a:xfrm>
+            <a:off x="6120063" y="5141691"/>
+            <a:ext cx="1818547" cy="584775"/>
+          </a:xfrm>
+          <a:prstGeom prst="rect">
+            <a:avLst/>
+          </a:prstGeom>
+          <a:noFill/>
+        </p:spPr>
+        <p:txBody>
+          <a:bodyPr wrap="square" rtlCol="0">
+            <a:spAutoFit/>
+          </a:bodyPr>
+          <a:lstStyle/>
+          <a:p>
+            <a:r>
+              <a:rPr lang="en-IN" sz="1600" dirty="0"/>
+              <a:t>Station ka </a:t>
+            </a:r>
+            <a:r>
+              <a:rPr lang="en-IN" sz="1600" dirty="0" err="1"/>
+              <a:t>straing</a:t>
+            </a:r>
+            <a:r>
+              <a:rPr lang="en-IN" sz="1600" dirty="0"/>
+              <a:t> road</a:t>
+            </a:r>
+          </a:p>
+        </p:txBody>
+      </p:sp>
+      <p:sp>
+        <p:nvSpPr>
+          <p:cNvPr id="110" name="TextBox 109">
+            <a:extLst>
+              <a:ext uri="{FF2B5EF4-FFF2-40B4-BE49-F238E27FC236}">
+                <a16:creationId xmlns:a16="http://schemas.microsoft.com/office/drawing/2014/main" id="{E4DF1335-5F9D-7A53-C1A6-C35DDBCA5227}"/>
+              </a:ext>
+            </a:extLst>
+          </p:cNvPr>
+          <p:cNvSpPr txBox="1"/>
+          <p:nvPr/>
+        </p:nvSpPr>
+        <p:spPr>
+          <a:xfrm>
+            <a:off x="8262926" y="5439862"/>
+            <a:ext cx="1429981" cy="830997"/>
+          </a:xfrm>
+          <a:prstGeom prst="rect">
+            <a:avLst/>
+          </a:prstGeom>
+          <a:noFill/>
+        </p:spPr>
+        <p:txBody>
+          <a:bodyPr wrap="square" rtlCol="0">
+            <a:spAutoFit/>
+          </a:bodyPr>
+          <a:lstStyle/>
+          <a:p>
+            <a:r>
+              <a:rPr lang="en-IN" sz="1600" dirty="0"/>
+              <a:t>Station Right </a:t>
+            </a:r>
+            <a:r>
+              <a:rPr lang="en-IN" sz="1600" dirty="0" err="1"/>
+              <a:t>wala</a:t>
+            </a:r>
+            <a:r>
+              <a:rPr lang="en-IN" sz="1600" dirty="0"/>
+              <a:t> </a:t>
+            </a:r>
+            <a:r>
+              <a:rPr lang="en-IN" sz="1600" dirty="0" err="1"/>
+              <a:t>straing</a:t>
+            </a:r>
+            <a:r>
+              <a:rPr lang="en-IN" sz="1600" dirty="0"/>
+              <a:t> road</a:t>
+            </a:r>
+          </a:p>
+        </p:txBody>
+      </p:sp>
+      <p:sp>
+        <p:nvSpPr>
+          <p:cNvPr id="111" name="TextBox 110">
+            <a:extLst>
+              <a:ext uri="{FF2B5EF4-FFF2-40B4-BE49-F238E27FC236}">
+                <a16:creationId xmlns:a16="http://schemas.microsoft.com/office/drawing/2014/main" id="{AEED5B4C-A9E6-D4A5-98D6-C3CB5F5F0645}"/>
+              </a:ext>
+            </a:extLst>
+          </p:cNvPr>
+          <p:cNvSpPr txBox="1"/>
+          <p:nvPr/>
+        </p:nvSpPr>
+        <p:spPr>
+          <a:xfrm>
+            <a:off x="5129950" y="6196657"/>
+            <a:ext cx="2058355" cy="584775"/>
+          </a:xfrm>
+          <a:prstGeom prst="rect">
+            <a:avLst/>
+          </a:prstGeom>
+          <a:noFill/>
+        </p:spPr>
+        <p:txBody>
+          <a:bodyPr wrap="square" rtlCol="0">
+            <a:spAutoFit/>
+          </a:bodyPr>
+          <a:lstStyle/>
+          <a:p>
+            <a:r>
+              <a:rPr lang="en-IN" sz="1600" dirty="0"/>
+              <a:t>Station Right </a:t>
+            </a:r>
+            <a:r>
+              <a:rPr lang="en-IN" sz="1600" dirty="0" err="1"/>
+              <a:t>wala</a:t>
+            </a:r>
+            <a:r>
+              <a:rPr lang="en-IN" sz="1600" dirty="0"/>
+              <a:t> </a:t>
+            </a:r>
+            <a:r>
+              <a:rPr lang="en-IN" sz="1600" dirty="0" err="1"/>
+              <a:t>straing</a:t>
+            </a:r>
+            <a:r>
+              <a:rPr lang="en-IN" sz="1600" dirty="0"/>
+              <a:t> road</a:t>
+            </a:r>
+          </a:p>
+        </p:txBody>
+      </p:sp>
+      <p:sp>
+        <p:nvSpPr>
+          <p:cNvPr id="113" name="Diamond 112">
+            <a:extLst>
+              <a:ext uri="{FF2B5EF4-FFF2-40B4-BE49-F238E27FC236}">
+                <a16:creationId xmlns:a16="http://schemas.microsoft.com/office/drawing/2014/main" id="{540449BF-FFE8-FF2F-A65A-D46BF149851E}"/>
+              </a:ext>
+            </a:extLst>
+          </p:cNvPr>
+          <p:cNvSpPr/>
+          <p:nvPr/>
+        </p:nvSpPr>
+        <p:spPr>
+          <a:xfrm>
+            <a:off x="1653536" y="4828953"/>
+            <a:ext cx="795187" cy="785923"/>
+          </a:xfrm>
+          <a:prstGeom prst="diamond">
+            <a:avLst/>
+          </a:prstGeom>
+        </p:spPr>
+        <p:style>
+          <a:lnRef idx="2">
+            <a:schemeClr val="accent6"/>
+          </a:lnRef>
+          <a:fillRef idx="1">
+            <a:schemeClr val="lt1"/>
+          </a:fillRef>
+          <a:effectRef idx="0">
+            <a:schemeClr val="accent6"/>
+          </a:effectRef>
+          <a:fontRef idx="minor">
+            <a:schemeClr val="dk1"/>
+          </a:fontRef>
+        </p:style>
+        <p:txBody>
+          <a:bodyPr rtlCol="0" anchor="ctr"/>
+          <a:lstStyle/>
+          <a:p>
+            <a:pPr algn="ctr"/>
+            <a:endParaRPr lang="en-IN"/>
+          </a:p>
+        </p:txBody>
+      </p:sp>
+      <p:cxnSp>
+        <p:nvCxnSpPr>
+          <p:cNvPr id="114" name="Straight Connector 113">
+            <a:extLst>
+              <a:ext uri="{FF2B5EF4-FFF2-40B4-BE49-F238E27FC236}">
+                <a16:creationId xmlns:a16="http://schemas.microsoft.com/office/drawing/2014/main" id="{25709E08-CF85-C637-40A8-0E3CD4F9C51E}"/>
+              </a:ext>
+            </a:extLst>
+          </p:cNvPr>
+          <p:cNvCxnSpPr>
+            <a:cxnSpLocks/>
+            <a:endCxn id="113" idx="0"/>
+          </p:cNvCxnSpPr>
+          <p:nvPr/>
+        </p:nvCxnSpPr>
+        <p:spPr>
+          <a:xfrm>
+            <a:off x="1844841" y="4118713"/>
+            <a:ext cx="206289" cy="710240"/>
+          </a:xfrm>
+          <a:prstGeom prst="line">
+            <a:avLst/>
+          </a:prstGeom>
+        </p:spPr>
+        <p:style>
+          <a:lnRef idx="1">
+            <a:schemeClr val="accent1"/>
+          </a:lnRef>
+          <a:fillRef idx="0">
+            <a:schemeClr val="accent1"/>
+          </a:fillRef>
+          <a:effectRef idx="0">
+            <a:schemeClr val="accent1"/>
+          </a:effectRef>
+          <a:fontRef idx="minor">
+            <a:schemeClr val="tx1"/>
+          </a:fontRef>
+        </p:style>
+      </p:cxnSp>
+      <p:sp>
+        <p:nvSpPr>
+          <p:cNvPr id="117" name="TextBox 116">
+            <a:extLst>
+              <a:ext uri="{FF2B5EF4-FFF2-40B4-BE49-F238E27FC236}">
+                <a16:creationId xmlns:a16="http://schemas.microsoft.com/office/drawing/2014/main" id="{C15A4B5E-5BFC-510F-37F8-E0D9F2E9210D}"/>
+              </a:ext>
+            </a:extLst>
+          </p:cNvPr>
+          <p:cNvSpPr txBox="1"/>
+          <p:nvPr/>
+        </p:nvSpPr>
+        <p:spPr>
+          <a:xfrm>
+            <a:off x="1555900" y="5650629"/>
+            <a:ext cx="1402264" cy="646331"/>
+          </a:xfrm>
+          <a:prstGeom prst="rect">
+            <a:avLst/>
+          </a:prstGeom>
+          <a:noFill/>
+        </p:spPr>
+        <p:txBody>
+          <a:bodyPr wrap="square">
+            <a:spAutoFit/>
+          </a:bodyPr>
+          <a:lstStyle/>
+          <a:p>
+            <a:r>
+              <a:rPr lang="en-IN" dirty="0"/>
+              <a:t>Wait 10 min</a:t>
+            </a:r>
+          </a:p>
+        </p:txBody>
+      </p:sp>
+    </p:spTree>
+    <p:extLst>
+      <p:ext uri="{BB962C8B-B14F-4D97-AF65-F5344CB8AC3E}">
+        <p14:creationId xmlns:p14="http://schemas.microsoft.com/office/powerpoint/2010/main" val="3335630677"/>
+      </p:ext>
+    </p:extLst>
+  </p:cSld>
+  <p:clrMapOvr>
+    <a:masterClrMapping/>
+  </p:clrMapOvr>
+</p:sld>
+</file>
+
+<file path=ppt/slides/slide15.xml><?xml version="1.0" encoding="utf-8"?>
+<p:sld xmlns:a="http://schemas.openxmlformats.org/drawingml/2006/main" xmlns:r="http://schemas.openxmlformats.org/officeDocument/2006/relationships" xmlns:p="http://schemas.openxmlformats.org/presentationml/2006/main">
+  <p:cSld>
+    <p:spTree>
+      <p:nvGrpSpPr>
+        <p:cNvPr id="1" name=""/>
+        <p:cNvGrpSpPr/>
+        <p:nvPr/>
+      </p:nvGrpSpPr>
+      <p:grpSpPr>
+        <a:xfrm>
+          <a:off x="0" y="0"/>
+          <a:ext cx="0" cy="0"/>
+          <a:chOff x="0" y="0"/>
+          <a:chExt cx="0" cy="0"/>
+        </a:xfrm>
+      </p:grpSpPr>
+      <p:sp>
+        <p:nvSpPr>
+          <p:cNvPr id="5" name="Title 4">
+            <a:extLst>
+              <a:ext uri="{FF2B5EF4-FFF2-40B4-BE49-F238E27FC236}">
+                <a16:creationId xmlns:a16="http://schemas.microsoft.com/office/drawing/2014/main" id="{96222CFE-8168-3B36-F853-92162A25B036}"/>
+              </a:ext>
+            </a:extLst>
+          </p:cNvPr>
+          <p:cNvSpPr>
+            <a:spLocks noGrp="1"/>
+          </p:cNvSpPr>
+          <p:nvPr>
+            <p:ph type="title"/>
+          </p:nvPr>
+        </p:nvSpPr>
+        <p:spPr/>
+        <p:txBody>
+          <a:bodyPr/>
+          <a:lstStyle/>
+          <a:p>
+            <a:r>
+              <a:rPr lang="en-IN" dirty="0"/>
+              <a:t>Bottom Line</a:t>
+            </a:r>
+          </a:p>
+        </p:txBody>
+      </p:sp>
+      <p:sp>
+        <p:nvSpPr>
+          <p:cNvPr id="6" name="Text Placeholder 5">
+            <a:extLst>
+              <a:ext uri="{FF2B5EF4-FFF2-40B4-BE49-F238E27FC236}">
+                <a16:creationId xmlns:a16="http://schemas.microsoft.com/office/drawing/2014/main" id="{D894FD58-8585-9D68-AF0D-B9B9F76E498E}"/>
+              </a:ext>
+            </a:extLst>
+          </p:cNvPr>
+          <p:cNvSpPr>
+            <a:spLocks noGrp="1"/>
+          </p:cNvSpPr>
+          <p:nvPr>
+            <p:ph type="body" idx="1"/>
+          </p:nvPr>
+        </p:nvSpPr>
+        <p:spPr/>
+        <p:txBody>
+          <a:bodyPr/>
+          <a:lstStyle/>
+          <a:p>
+            <a:r>
+              <a:rPr lang="en-IN" dirty="0">
+                <a:solidFill>
+                  <a:srgbClr val="00B050"/>
+                </a:solidFill>
+              </a:rPr>
+              <a:t>Pros</a:t>
+            </a:r>
+          </a:p>
+        </p:txBody>
+      </p:sp>
+      <p:sp>
+        <p:nvSpPr>
+          <p:cNvPr id="7" name="Content Placeholder 6">
+            <a:extLst>
+              <a:ext uri="{FF2B5EF4-FFF2-40B4-BE49-F238E27FC236}">
+                <a16:creationId xmlns:a16="http://schemas.microsoft.com/office/drawing/2014/main" id="{5C879ADB-72D8-3151-0B46-309149B2D871}"/>
+              </a:ext>
+            </a:extLst>
+          </p:cNvPr>
+          <p:cNvSpPr>
+            <a:spLocks noGrp="1"/>
+          </p:cNvSpPr>
+          <p:nvPr>
+            <p:ph sz="half" idx="2"/>
+          </p:nvPr>
+        </p:nvSpPr>
+        <p:spPr/>
+        <p:txBody>
+          <a:bodyPr/>
+          <a:lstStyle/>
+          <a:p>
+            <a:r>
+              <a:rPr lang="en-IN" dirty="0">
+                <a:latin typeface="+mj-lt"/>
+              </a:rPr>
+              <a:t>Allows AI to act in dynamic ways depending on situation</a:t>
+            </a:r>
+          </a:p>
+          <a:p>
+            <a:r>
+              <a:rPr lang="en-IN" dirty="0">
+                <a:latin typeface="+mj-lt"/>
+              </a:rPr>
+              <a:t>Designer to group different action for different situation</a:t>
+            </a:r>
+          </a:p>
+          <a:p>
+            <a:r>
+              <a:rPr lang="en-IN" dirty="0">
+                <a:latin typeface="+mj-lt"/>
+              </a:rPr>
+              <a:t>Enemy differentiation</a:t>
+            </a:r>
+          </a:p>
+        </p:txBody>
+      </p:sp>
+      <p:sp>
+        <p:nvSpPr>
+          <p:cNvPr id="8" name="Text Placeholder 7">
+            <a:extLst>
+              <a:ext uri="{FF2B5EF4-FFF2-40B4-BE49-F238E27FC236}">
+                <a16:creationId xmlns:a16="http://schemas.microsoft.com/office/drawing/2014/main" id="{B1F78F6B-6C8B-179C-CF63-8A49F687DB09}"/>
+              </a:ext>
+            </a:extLst>
+          </p:cNvPr>
+          <p:cNvSpPr>
+            <a:spLocks noGrp="1"/>
+          </p:cNvSpPr>
+          <p:nvPr>
+            <p:ph type="body" sz="quarter" idx="3"/>
+          </p:nvPr>
+        </p:nvSpPr>
+        <p:spPr/>
+        <p:txBody>
+          <a:bodyPr/>
+          <a:lstStyle/>
+          <a:p>
+            <a:r>
+              <a:rPr lang="en-IN" dirty="0">
+                <a:solidFill>
+                  <a:srgbClr val="C00000"/>
+                </a:solidFill>
+              </a:rPr>
+              <a:t>Cons</a:t>
+            </a:r>
+          </a:p>
+        </p:txBody>
+      </p:sp>
+      <p:sp>
+        <p:nvSpPr>
+          <p:cNvPr id="9" name="Content Placeholder 8">
+            <a:extLst>
+              <a:ext uri="{FF2B5EF4-FFF2-40B4-BE49-F238E27FC236}">
+                <a16:creationId xmlns:a16="http://schemas.microsoft.com/office/drawing/2014/main" id="{9694B0C8-2269-FF3B-C058-762E4DB57AA8}"/>
+              </a:ext>
+            </a:extLst>
+          </p:cNvPr>
+          <p:cNvSpPr>
+            <a:spLocks noGrp="1"/>
+          </p:cNvSpPr>
+          <p:nvPr>
+            <p:ph sz="quarter" idx="4"/>
+          </p:nvPr>
+        </p:nvSpPr>
+        <p:spPr/>
+        <p:txBody>
+          <a:bodyPr/>
+          <a:lstStyle/>
+          <a:p>
+            <a:r>
+              <a:rPr lang="en-IN" dirty="0">
+                <a:latin typeface="+mj-lt"/>
+              </a:rPr>
+              <a:t>Time consuming to generate</a:t>
+            </a:r>
+          </a:p>
+          <a:p>
+            <a:r>
+              <a:rPr lang="en-IN" dirty="0">
+                <a:latin typeface="+mj-lt"/>
+              </a:rPr>
+              <a:t>Complex</a:t>
+            </a:r>
+          </a:p>
+          <a:p>
+            <a:r>
+              <a:rPr lang="en-IN" dirty="0">
+                <a:latin typeface="+mj-lt"/>
+              </a:rPr>
+              <a:t>Running through all the possible action can take a lot of time</a:t>
+            </a:r>
+          </a:p>
+        </p:txBody>
+      </p:sp>
+    </p:spTree>
+    <p:extLst>
+      <p:ext uri="{BB962C8B-B14F-4D97-AF65-F5344CB8AC3E}">
+        <p14:creationId xmlns:p14="http://schemas.microsoft.com/office/powerpoint/2010/main" val="4000922754"/>
+      </p:ext>
+    </p:extLst>
+  </p:cSld>
+  <p:clrMapOvr>
+    <a:masterClrMapping/>
+  </p:clrMapOvr>
+</p:sld>
+</file>
+
+<file path=ppt/slides/slide16.xml><?xml version="1.0" encoding="utf-8"?>
+<p:sld xmlns:a="http://schemas.openxmlformats.org/drawingml/2006/main" xmlns:r="http://schemas.openxmlformats.org/officeDocument/2006/relationships" xmlns:p="http://schemas.openxmlformats.org/presentationml/2006/main">
+  <p:cSld>
+    <p:spTree>
+      <p:nvGrpSpPr>
+        <p:cNvPr id="1" name=""/>
+        <p:cNvGrpSpPr/>
+        <p:nvPr/>
+      </p:nvGrpSpPr>
+      <p:grpSpPr>
+        <a:xfrm>
+          <a:off x="0" y="0"/>
+          <a:ext cx="0" cy="0"/>
+          <a:chOff x="0" y="0"/>
+          <a:chExt cx="0" cy="0"/>
+        </a:xfrm>
+      </p:grpSpPr>
+      <p:sp>
+        <p:nvSpPr>
+          <p:cNvPr id="7" name="Title 6">
+            <a:extLst>
+              <a:ext uri="{FF2B5EF4-FFF2-40B4-BE49-F238E27FC236}">
+                <a16:creationId xmlns:a16="http://schemas.microsoft.com/office/drawing/2014/main" id="{E4FCF14E-A33C-A0E8-175D-8A6B06223243}"/>
+              </a:ext>
+            </a:extLst>
+          </p:cNvPr>
+          <p:cNvSpPr>
+            <a:spLocks noGrp="1"/>
+          </p:cNvSpPr>
+          <p:nvPr>
+            <p:ph type="title"/>
+          </p:nvPr>
+        </p:nvSpPr>
+        <p:spPr/>
+        <p:txBody>
+          <a:bodyPr/>
+          <a:lstStyle/>
+          <a:p>
+            <a:r>
+              <a:rPr lang="en-IN" dirty="0"/>
+              <a:t>Thank You</a:t>
+            </a:r>
+          </a:p>
+        </p:txBody>
+      </p:sp>
+    </p:spTree>
+    <p:extLst>
+      <p:ext uri="{BB962C8B-B14F-4D97-AF65-F5344CB8AC3E}">
+        <p14:creationId xmlns:p14="http://schemas.microsoft.com/office/powerpoint/2010/main" val="379914303"/>
       </p:ext>
     </p:extLst>
   </p:cSld>
